--- a/【第26课】计算机系统的组成/【第26课】计算机系统的组成.pptx
+++ b/【第26课】计算机系统的组成/【第26课】计算机系统的组成.pptx
@@ -395,6 +395,11 @@
         </p:txBody>
       </p:sp>
     </p:spTree>
+    <p:extLst>
+      <p:ext uri="{BB962C8B-B14F-4D97-AF65-F5344CB8AC3E}">
+        <p14:creationId xmlns:p14="http://schemas.microsoft.com/office/powerpoint/2010/main" val="1"/>
+      </p:ext>
+    </p:extLst>
   </p:cSld>
   <p:clrMap bg1="lt1" tx1="dk1" bg2="lt2" tx2="dk2" accent1="accent1" accent2="accent2" accent3="accent3" accent4="accent4" accent5="accent5" accent6="accent6" hlink="hlink" folHlink="folHlink"/>
 </p:handoutMaster>
@@ -533,7 +538,7 @@
             </a:extLst>
           </p:cNvPr>
           <p:cNvSpPr>
-            <a:spLocks noRot="1" noChangeArrowheads="1" noTextEdit="1"/>
+            <a:spLocks noGrp="1" noRot="1" noChangeAspect="1" noChangeArrowheads="1" noTextEdit="1"/>
           </p:cNvSpPr>
           <p:nvPr>
             <p:ph type="sldImg" idx="4294967295"/>
@@ -1119,6 +1124,428 @@
         </p:txBody>
       </p:sp>
     </p:spTree>
+  </p:cSld>
+  <p:clrMapOvr>
+    <a:masterClrMapping/>
+  </p:clrMapOvr>
+</p:notes>
+</file>
+
+<file path=ppt/notesSlides/notesSlide2.xml><?xml version="1.0" encoding="utf-8"?>
+<p:notes xmlns:a="http://schemas.openxmlformats.org/drawingml/2006/main" xmlns:r="http://schemas.openxmlformats.org/officeDocument/2006/relationships" xmlns:p="http://schemas.openxmlformats.org/presentationml/2006/main">
+  <p:cSld>
+    <p:spTree>
+      <p:nvGrpSpPr>
+        <p:cNvPr id="1" name=""/>
+        <p:cNvGrpSpPr/>
+        <p:nvPr/>
+      </p:nvGrpSpPr>
+      <p:grpSpPr>
+        <a:xfrm>
+          <a:off x="0" y="0"/>
+          <a:ext cx="0" cy="0"/>
+          <a:chOff x="0" y="0"/>
+          <a:chExt cx="0" cy="0"/>
+        </a:xfrm>
+      </p:grpSpPr>
+      <p:sp>
+        <p:nvSpPr>
+          <p:cNvPr id="2" name="幻灯片图像占位符 1"/>
+          <p:cNvSpPr>
+            <a:spLocks noGrp="1" noRot="1" noChangeAspect="1"/>
+          </p:cNvSpPr>
+          <p:nvPr>
+            <p:ph type="sldImg"/>
+          </p:nvPr>
+        </p:nvSpPr>
+        <p:spPr/>
+      </p:sp>
+      <p:sp>
+        <p:nvSpPr>
+          <p:cNvPr id="3" name="备注占位符 2"/>
+          <p:cNvSpPr>
+            <a:spLocks noGrp="1"/>
+          </p:cNvSpPr>
+          <p:nvPr>
+            <p:ph type="body" idx="1"/>
+          </p:nvPr>
+        </p:nvSpPr>
+        <p:spPr/>
+        <p:txBody>
+          <a:bodyPr/>
+          <a:lstStyle/>
+          <a:p>
+            <a:r>
+              <a:rPr lang="zh-CN" altLang="en-US" sz="1200" b="0" i="0" kern="1200" dirty="0">
+                <a:solidFill>
+                  <a:schemeClr val="tx1"/>
+                </a:solidFill>
+                <a:effectLst/>
+                <a:latin typeface="Arial" panose="020B0604020202020204" pitchFamily="34" charset="0"/>
+                <a:ea typeface="宋体" panose="02010600030101010101" pitchFamily="2" charset="-122"/>
+                <a:cs typeface="+mn-cs"/>
+              </a:rPr>
+              <a:t>程序运行时所有的计算、信息解释与传输控制都是由</a:t>
+            </a:r>
+            <a:r>
+              <a:rPr lang="en-US" altLang="zh-CN" sz="1200" b="0" i="0" kern="1200" dirty="0">
+                <a:solidFill>
+                  <a:schemeClr val="tx1"/>
+                </a:solidFill>
+                <a:effectLst/>
+                <a:latin typeface="Arial" panose="020B0604020202020204" pitchFamily="34" charset="0"/>
+                <a:ea typeface="宋体" panose="02010600030101010101" pitchFamily="2" charset="-122"/>
+                <a:cs typeface="+mn-cs"/>
+              </a:rPr>
+              <a:t>CPU</a:t>
+            </a:r>
+            <a:r>
+              <a:rPr lang="zh-CN" altLang="en-US" sz="1200" b="0" i="0" kern="1200" dirty="0">
+                <a:solidFill>
+                  <a:schemeClr val="tx1"/>
+                </a:solidFill>
+                <a:effectLst/>
+                <a:latin typeface="Arial" panose="020B0604020202020204" pitchFamily="34" charset="0"/>
+                <a:ea typeface="宋体" panose="02010600030101010101" pitchFamily="2" charset="-122"/>
+                <a:cs typeface="+mn-cs"/>
+              </a:rPr>
+              <a:t>完成的，而信息本身是存储在内存中的，</a:t>
+            </a:r>
+            <a:r>
+              <a:rPr lang="en-US" altLang="zh-CN" sz="1200" b="0" i="0" kern="1200" dirty="0">
+                <a:solidFill>
+                  <a:schemeClr val="tx1"/>
+                </a:solidFill>
+                <a:effectLst/>
+                <a:latin typeface="Arial" panose="020B0604020202020204" pitchFamily="34" charset="0"/>
+                <a:ea typeface="宋体" panose="02010600030101010101" pitchFamily="2" charset="-122"/>
+                <a:cs typeface="+mn-cs"/>
+              </a:rPr>
+              <a:t>CPU</a:t>
+            </a:r>
+            <a:r>
+              <a:rPr lang="zh-CN" altLang="en-US" sz="1200" b="0" i="0" kern="1200" dirty="0">
+                <a:solidFill>
+                  <a:schemeClr val="tx1"/>
+                </a:solidFill>
+                <a:effectLst/>
+                <a:latin typeface="Arial" panose="020B0604020202020204" pitchFamily="34" charset="0"/>
+                <a:ea typeface="宋体" panose="02010600030101010101" pitchFamily="2" charset="-122"/>
+                <a:cs typeface="+mn-cs"/>
+              </a:rPr>
+              <a:t>需要信息时就把信息从内存中调入到</a:t>
+            </a:r>
+            <a:r>
+              <a:rPr lang="en-US" altLang="zh-CN" sz="1200" b="0" i="0" kern="1200" dirty="0">
+                <a:solidFill>
+                  <a:schemeClr val="tx1"/>
+                </a:solidFill>
+                <a:effectLst/>
+                <a:latin typeface="Arial" panose="020B0604020202020204" pitchFamily="34" charset="0"/>
+                <a:ea typeface="宋体" panose="02010600030101010101" pitchFamily="2" charset="-122"/>
+                <a:cs typeface="+mn-cs"/>
+              </a:rPr>
+              <a:t>CPU</a:t>
+            </a:r>
+            <a:r>
+              <a:rPr lang="zh-CN" altLang="en-US" sz="1200" b="0" i="0" kern="1200" dirty="0">
+                <a:solidFill>
+                  <a:schemeClr val="tx1"/>
+                </a:solidFill>
+                <a:effectLst/>
+                <a:latin typeface="Arial" panose="020B0604020202020204" pitchFamily="34" charset="0"/>
+                <a:ea typeface="宋体" panose="02010600030101010101" pitchFamily="2" charset="-122"/>
+                <a:cs typeface="+mn-cs"/>
+              </a:rPr>
+              <a:t>中，这是一个传输过程，传输当然需要一定的时间，提高效率的一个方法就是流水线作业，</a:t>
+            </a:r>
+            <a:r>
+              <a:rPr lang="en-US" altLang="zh-CN" sz="1200" b="0" i="0" kern="1200" dirty="0">
+                <a:solidFill>
+                  <a:schemeClr val="tx1"/>
+                </a:solidFill>
+                <a:effectLst/>
+                <a:latin typeface="Arial" panose="020B0604020202020204" pitchFamily="34" charset="0"/>
+                <a:ea typeface="宋体" panose="02010600030101010101" pitchFamily="2" charset="-122"/>
+                <a:cs typeface="+mn-cs"/>
+              </a:rPr>
+              <a:t>CPU</a:t>
+            </a:r>
+            <a:r>
+              <a:rPr lang="zh-CN" altLang="en-US" sz="1200" b="0" i="0" kern="1200" dirty="0">
+                <a:solidFill>
+                  <a:schemeClr val="tx1"/>
+                </a:solidFill>
+                <a:effectLst/>
+                <a:latin typeface="Arial" panose="020B0604020202020204" pitchFamily="34" charset="0"/>
+                <a:ea typeface="宋体" panose="02010600030101010101" pitchFamily="2" charset="-122"/>
+                <a:cs typeface="+mn-cs"/>
+              </a:rPr>
+              <a:t>从内存中读取数据时，通常不止是读取它正急需的数据，而是连同不是急需的数据一起读进来，放在自己的某个地方留着下步使用，这就像一个小卖部通常不是等客人来买什么货品才去批发市场进什么货一样，他们会一次性进入许多货品，放在柜台上等着卖，很明显这样比每次卖时重新进货效率高多了，在这里</a:t>
+            </a:r>
+            <a:r>
+              <a:rPr lang="en-US" altLang="zh-CN" sz="1200" b="0" i="0" kern="1200" dirty="0">
+                <a:solidFill>
+                  <a:schemeClr val="tx1"/>
+                </a:solidFill>
+                <a:effectLst/>
+                <a:latin typeface="Arial" panose="020B0604020202020204" pitchFamily="34" charset="0"/>
+                <a:ea typeface="宋体" panose="02010600030101010101" pitchFamily="2" charset="-122"/>
+                <a:cs typeface="+mn-cs"/>
+              </a:rPr>
+              <a:t>CPU</a:t>
+            </a:r>
+            <a:r>
+              <a:rPr lang="zh-CN" altLang="en-US" sz="1200" b="0" i="0" kern="1200" dirty="0">
+                <a:solidFill>
+                  <a:schemeClr val="tx1"/>
+                </a:solidFill>
+                <a:effectLst/>
+                <a:latin typeface="Arial" panose="020B0604020202020204" pitchFamily="34" charset="0"/>
+                <a:ea typeface="宋体" panose="02010600030101010101" pitchFamily="2" charset="-122"/>
+                <a:cs typeface="+mn-cs"/>
+              </a:rPr>
+              <a:t>就相当于小卖部，内存相当于批发市场，寄存器相当于小卖部的柜台，售货员相当于</a:t>
+            </a:r>
+            <a:r>
+              <a:rPr lang="en-US" altLang="zh-CN" sz="1200" b="0" i="0" kern="1200" dirty="0">
+                <a:solidFill>
+                  <a:schemeClr val="tx1"/>
+                </a:solidFill>
+                <a:effectLst/>
+                <a:latin typeface="Arial" panose="020B0604020202020204" pitchFamily="34" charset="0"/>
+                <a:ea typeface="宋体" panose="02010600030101010101" pitchFamily="2" charset="-122"/>
+                <a:cs typeface="+mn-cs"/>
+              </a:rPr>
+              <a:t>CPU</a:t>
+            </a:r>
+            <a:r>
+              <a:rPr lang="zh-CN" altLang="en-US" sz="1200" b="0" i="0" kern="1200" dirty="0">
+                <a:solidFill>
+                  <a:schemeClr val="tx1"/>
+                </a:solidFill>
+                <a:effectLst/>
+                <a:latin typeface="Arial" panose="020B0604020202020204" pitchFamily="34" charset="0"/>
+                <a:ea typeface="宋体" panose="02010600030101010101" pitchFamily="2" charset="-122"/>
+                <a:cs typeface="+mn-cs"/>
+              </a:rPr>
+              <a:t>里的计算器和控制器。当然现在</a:t>
+            </a:r>
+            <a:r>
+              <a:rPr lang="en-US" altLang="zh-CN" sz="1200" b="0" i="0" kern="1200" dirty="0">
+                <a:solidFill>
+                  <a:schemeClr val="tx1"/>
+                </a:solidFill>
+                <a:effectLst/>
+                <a:latin typeface="Arial" panose="020B0604020202020204" pitchFamily="34" charset="0"/>
+                <a:ea typeface="宋体" panose="02010600030101010101" pitchFamily="2" charset="-122"/>
+                <a:cs typeface="+mn-cs"/>
+              </a:rPr>
+              <a:t>CPU</a:t>
+            </a:r>
+            <a:r>
+              <a:rPr lang="zh-CN" altLang="en-US" sz="1200" b="0" i="0" kern="1200" dirty="0">
+                <a:solidFill>
+                  <a:schemeClr val="tx1"/>
+                </a:solidFill>
+                <a:effectLst/>
+                <a:latin typeface="Arial" panose="020B0604020202020204" pitchFamily="34" charset="0"/>
+                <a:ea typeface="宋体" panose="02010600030101010101" pitchFamily="2" charset="-122"/>
+                <a:cs typeface="+mn-cs"/>
+              </a:rPr>
+              <a:t>除了寄存器外还有一级缓存、二级缓存用于存储临时数据，这相当于小卖部自己建设了一个临时仓库存储货品</a:t>
+            </a:r>
+            <a:r>
+              <a:rPr lang="en-US" altLang="zh-CN" sz="1200" b="0" i="0" kern="1200" dirty="0">
+                <a:solidFill>
+                  <a:schemeClr val="tx1"/>
+                </a:solidFill>
+                <a:effectLst/>
+                <a:latin typeface="Arial" panose="020B0604020202020204" pitchFamily="34" charset="0"/>
+                <a:ea typeface="宋体" panose="02010600030101010101" pitchFamily="2" charset="-122"/>
+                <a:cs typeface="+mn-cs"/>
+              </a:rPr>
+              <a:t>……</a:t>
+            </a:r>
+            <a:r>
+              <a:rPr lang="zh-CN" altLang="en-US" sz="1200" b="0" i="0" kern="1200" dirty="0">
+                <a:solidFill>
+                  <a:schemeClr val="tx1"/>
+                </a:solidFill>
+                <a:effectLst/>
+                <a:latin typeface="Arial" panose="020B0604020202020204" pitchFamily="34" charset="0"/>
+                <a:ea typeface="宋体" panose="02010600030101010101" pitchFamily="2" charset="-122"/>
+                <a:cs typeface="+mn-cs"/>
+              </a:rPr>
+              <a:t>这一切都是为了完成功能的基础上提高效率，你说小卖部只是在客人来买东西时根据客人需要再去提货能不能行呢？明显也能运转，现在有些小规模的电子商品柜台不就是这样的吗，你问他买台笔记本，他说需要临时进货要等几天</a:t>
+            </a:r>
+            <a:r>
+              <a:rPr lang="en-US" altLang="zh-CN" sz="1200" b="0" i="0" kern="1200" dirty="0">
+                <a:solidFill>
+                  <a:schemeClr val="tx1"/>
+                </a:solidFill>
+                <a:effectLst/>
+                <a:latin typeface="Arial" panose="020B0604020202020204" pitchFamily="34" charset="0"/>
+                <a:ea typeface="宋体" panose="02010600030101010101" pitchFamily="2" charset="-122"/>
+                <a:cs typeface="+mn-cs"/>
+              </a:rPr>
+              <a:t>……</a:t>
+            </a:r>
+            <a:r>
+              <a:rPr lang="zh-CN" altLang="en-US" sz="1200" b="0" i="0" kern="1200" dirty="0">
+                <a:solidFill>
+                  <a:schemeClr val="tx1"/>
+                </a:solidFill>
+                <a:effectLst/>
+                <a:latin typeface="Arial" panose="020B0604020202020204" pitchFamily="34" charset="0"/>
+                <a:ea typeface="宋体" panose="02010600030101010101" pitchFamily="2" charset="-122"/>
+                <a:cs typeface="+mn-cs"/>
+              </a:rPr>
+              <a:t>为什么</a:t>
+            </a:r>
+            <a:r>
+              <a:rPr lang="en-US" altLang="zh-CN" sz="1200" b="0" i="0" kern="1200" dirty="0">
+                <a:solidFill>
+                  <a:schemeClr val="tx1"/>
+                </a:solidFill>
+                <a:effectLst/>
+                <a:latin typeface="Arial" panose="020B0604020202020204" pitchFamily="34" charset="0"/>
+                <a:ea typeface="宋体" panose="02010600030101010101" pitchFamily="2" charset="-122"/>
+                <a:cs typeface="+mn-cs"/>
+              </a:rPr>
+              <a:t>CPU</a:t>
+            </a:r>
+            <a:r>
+              <a:rPr lang="zh-CN" altLang="en-US" sz="1200" b="0" i="0" kern="1200" dirty="0">
+                <a:solidFill>
+                  <a:schemeClr val="tx1"/>
+                </a:solidFill>
+                <a:effectLst/>
+                <a:latin typeface="Arial" panose="020B0604020202020204" pitchFamily="34" charset="0"/>
+                <a:ea typeface="宋体" panose="02010600030101010101" pitchFamily="2" charset="-122"/>
+                <a:cs typeface="+mn-cs"/>
+              </a:rPr>
+              <a:t>增加了寄存器和缓存速度就快了呢？想想我们的小卖部吧，因为离得近了嘛，硬件上离得近了，少了一些导线和元器件传输，带宽通道也宽，每次会节省那么几微秒，对计算机来说几微秒的节省很不得了。</a:t>
+            </a:r>
+            <a:endParaRPr lang="zh-CN" altLang="en-US" dirty="0"/>
+          </a:p>
+        </p:txBody>
+      </p:sp>
+      <p:sp>
+        <p:nvSpPr>
+          <p:cNvPr id="4" name="灯片编号占位符 3"/>
+          <p:cNvSpPr>
+            <a:spLocks noGrp="1"/>
+          </p:cNvSpPr>
+          <p:nvPr>
+            <p:ph type="sldNum" sz="quarter" idx="5"/>
+          </p:nvPr>
+        </p:nvSpPr>
+        <p:spPr/>
+        <p:txBody>
+          <a:bodyPr/>
+          <a:lstStyle/>
+          <a:p>
+            <a:fld id="{8A8D59BE-86DA-486E-9887-A5370BB69F7F}" type="slidenum">
+              <a:rPr lang="en-US" altLang="zh-CN" smtClean="0"/>
+              <a:pPr/>
+              <a:t>6</a:t>
+            </a:fld>
+            <a:endParaRPr lang="en-US" altLang="zh-CN"/>
+          </a:p>
+        </p:txBody>
+      </p:sp>
+    </p:spTree>
+    <p:extLst>
+      <p:ext uri="{BB962C8B-B14F-4D97-AF65-F5344CB8AC3E}">
+        <p14:creationId xmlns:p14="http://schemas.microsoft.com/office/powerpoint/2010/main" val="3536212390"/>
+      </p:ext>
+    </p:extLst>
+  </p:cSld>
+  <p:clrMapOvr>
+    <a:masterClrMapping/>
+  </p:clrMapOvr>
+</p:notes>
+</file>
+
+<file path=ppt/notesSlides/notesSlide3.xml><?xml version="1.0" encoding="utf-8"?>
+<p:notes xmlns:a="http://schemas.openxmlformats.org/drawingml/2006/main" xmlns:r="http://schemas.openxmlformats.org/officeDocument/2006/relationships" xmlns:p="http://schemas.openxmlformats.org/presentationml/2006/main">
+  <p:cSld>
+    <p:spTree>
+      <p:nvGrpSpPr>
+        <p:cNvPr id="1" name=""/>
+        <p:cNvGrpSpPr/>
+        <p:nvPr/>
+      </p:nvGrpSpPr>
+      <p:grpSpPr>
+        <a:xfrm>
+          <a:off x="0" y="0"/>
+          <a:ext cx="0" cy="0"/>
+          <a:chOff x="0" y="0"/>
+          <a:chExt cx="0" cy="0"/>
+        </a:xfrm>
+      </p:grpSpPr>
+      <p:sp>
+        <p:nvSpPr>
+          <p:cNvPr id="2" name="幻灯片图像占位符 1"/>
+          <p:cNvSpPr>
+            <a:spLocks noGrp="1" noRot="1" noChangeAspect="1"/>
+          </p:cNvSpPr>
+          <p:nvPr>
+            <p:ph type="sldImg"/>
+          </p:nvPr>
+        </p:nvSpPr>
+        <p:spPr/>
+      </p:sp>
+      <p:sp>
+        <p:nvSpPr>
+          <p:cNvPr id="3" name="备注占位符 2"/>
+          <p:cNvSpPr>
+            <a:spLocks noGrp="1"/>
+          </p:cNvSpPr>
+          <p:nvPr>
+            <p:ph type="body" idx="1"/>
+          </p:nvPr>
+        </p:nvSpPr>
+        <p:spPr/>
+        <p:txBody>
+          <a:bodyPr/>
+          <a:lstStyle/>
+          <a:p>
+            <a:endParaRPr lang="zh-CN" altLang="en-US" dirty="0"/>
+          </a:p>
+        </p:txBody>
+      </p:sp>
+      <p:sp>
+        <p:nvSpPr>
+          <p:cNvPr id="4" name="灯片编号占位符 3"/>
+          <p:cNvSpPr>
+            <a:spLocks noGrp="1"/>
+          </p:cNvSpPr>
+          <p:nvPr>
+            <p:ph type="sldNum" sz="quarter" idx="5"/>
+          </p:nvPr>
+        </p:nvSpPr>
+        <p:spPr/>
+        <p:txBody>
+          <a:bodyPr/>
+          <a:lstStyle/>
+          <a:p>
+            <a:fld id="{8A8D59BE-86DA-486E-9887-A5370BB69F7F}" type="slidenum">
+              <a:rPr lang="en-US" altLang="zh-CN" smtClean="0"/>
+              <a:pPr/>
+              <a:t>7</a:t>
+            </a:fld>
+            <a:endParaRPr lang="en-US" altLang="zh-CN"/>
+          </a:p>
+        </p:txBody>
+      </p:sp>
+    </p:spTree>
+    <p:extLst>
+      <p:ext uri="{BB962C8B-B14F-4D97-AF65-F5344CB8AC3E}">
+        <p14:creationId xmlns:p14="http://schemas.microsoft.com/office/powerpoint/2010/main" val="4066439694"/>
+      </p:ext>
+    </p:extLst>
   </p:cSld>
   <p:clrMapOvr>
     <a:masterClrMapping/>
@@ -6633,8 +7060,8 @@
         </p:nvSpPr>
         <p:spPr bwMode="auto">
           <a:xfrm>
-            <a:off x="557213" y="-236538"/>
-            <a:ext cx="6264275" cy="892176"/>
+            <a:off x="2051720" y="-236538"/>
+            <a:ext cx="4769768" cy="892176"/>
           </a:xfrm>
           <a:prstGeom prst="rect">
             <a:avLst/>
@@ -6664,7 +7091,7 @@
           </a:extLst>
         </p:spPr>
         <p:txBody>
-          <a:bodyPr>
+          <a:bodyPr wrap="square">
             <a:spAutoFit/>
           </a:bodyPr>
           <a:lstStyle>
@@ -6775,7 +7202,7 @@
             </a:lvl9pPr>
           </a:lstStyle>
           <a:p>
-            <a:endParaRPr lang="zh-CN" altLang="en-US" sz="2400" b="0">
+            <a:endParaRPr lang="zh-CN" altLang="en-US" sz="2400" b="0" dirty="0">
               <a:solidFill>
                 <a:srgbClr val="000000"/>
               </a:solidFill>
@@ -6784,18 +7211,17 @@
             </a:endParaRPr>
           </a:p>
           <a:p>
-            <a:pPr algn="ctr"/>
-            <a:r>
-              <a:rPr lang="zh-CN" altLang="en-US" b="0">
+            <a:r>
+              <a:rPr lang="zh-CN" altLang="en-US" b="0" dirty="0">
                 <a:solidFill>
                   <a:schemeClr val="bg1"/>
                 </a:solidFill>
                 <a:latin typeface="微软雅黑" panose="020B0503020204020204" pitchFamily="34" charset="-122"/>
                 <a:ea typeface="微软雅黑" panose="020B0503020204020204" pitchFamily="34" charset="-122"/>
               </a:rPr>
-              <a:t>三 要点回顾</a:t>
-            </a:r>
-            <a:endParaRPr lang="zh-CN" altLang="en-US">
+              <a:t>五、课堂小结</a:t>
+            </a:r>
+            <a:endParaRPr lang="zh-CN" altLang="en-US" dirty="0">
               <a:solidFill>
                 <a:schemeClr val="bg1"/>
               </a:solidFill>
@@ -6807,15 +7233,15 @@
       </p:sp>
       <p:pic>
         <p:nvPicPr>
-          <p:cNvPr id="22531" name="图片 2">
+          <p:cNvPr id="4" name="图片 5" descr="2.1计算机系统的组成">
             <a:extLst>
               <a:ext uri="{FF2B5EF4-FFF2-40B4-BE49-F238E27FC236}">
-                <a16:creationId xmlns:a16="http://schemas.microsoft.com/office/drawing/2014/main" id="{10622420-F6DD-4076-8727-1C0848C9D165}"/>
+                <a16:creationId xmlns:a16="http://schemas.microsoft.com/office/drawing/2014/main" id="{793E6277-3641-4A17-8A90-C6143CBD1117}"/>
               </a:ext>
             </a:extLst>
           </p:cNvPr>
           <p:cNvPicPr>
-            <a:picLocks noChangeAspect="1"/>
+            <a:picLocks noChangeAspect="1" noChangeArrowheads="1"/>
           </p:cNvPicPr>
           <p:nvPr/>
         </p:nvPicPr>
@@ -6834,8 +7260,8 @@
         </p:blipFill>
         <p:spPr bwMode="auto">
           <a:xfrm>
-            <a:off x="827088" y="1276350"/>
-            <a:ext cx="7848600" cy="3159125"/>
+            <a:off x="1187624" y="843558"/>
+            <a:ext cx="7578874" cy="3672408"/>
           </a:xfrm>
           <a:prstGeom prst="rect">
             <a:avLst/>
@@ -7111,7 +7537,7 @@
             </a:lvl9pPr>
           </a:lstStyle>
           <a:p>
-            <a:endParaRPr lang="zh-CN" altLang="en-US" sz="2400" b="0">
+            <a:endParaRPr lang="zh-CN" altLang="en-US" sz="2400" b="0" dirty="0">
               <a:solidFill>
                 <a:srgbClr val="000000"/>
               </a:solidFill>
@@ -7122,16 +7548,16 @@
           <a:p>
             <a:pPr algn="ctr"/>
             <a:r>
-              <a:rPr lang="zh-CN" altLang="en-US" b="0">
+              <a:rPr lang="zh-CN" altLang="en-US" b="0" dirty="0">
                 <a:solidFill>
                   <a:schemeClr val="bg1"/>
                 </a:solidFill>
                 <a:latin typeface="微软雅黑" panose="020B0503020204020204" pitchFamily="34" charset="-122"/>
                 <a:ea typeface="微软雅黑" panose="020B0503020204020204" pitchFamily="34" charset="-122"/>
               </a:rPr>
-              <a:t>一 计算机系统的组成</a:t>
-            </a:r>
-            <a:endParaRPr lang="zh-CN" altLang="en-US">
+              <a:t>一、计算机系统的组成</a:t>
+            </a:r>
+            <a:endParaRPr lang="zh-CN" altLang="en-US" dirty="0">
               <a:solidFill>
                 <a:schemeClr val="bg1"/>
               </a:solidFill>
@@ -7305,13 +7731,13 @@
               </a:lnSpc>
             </a:pPr>
             <a:r>
-              <a:rPr lang="zh-CN" altLang="en-US" sz="2000" b="0">
+              <a:rPr lang="zh-CN" altLang="en-US" sz="2000" b="0" dirty="0">
                 <a:latin typeface="微软雅黑" panose="020B0503020204020204" pitchFamily="34" charset="-122"/>
                 <a:ea typeface="微软雅黑" panose="020B0503020204020204" pitchFamily="34" charset="-122"/>
               </a:rPr>
-              <a:t>计算机系统由硬件系统和软件系统组成。</a:t>
-            </a:r>
-            <a:endParaRPr lang="en-US" altLang="zh-CN" sz="2000" b="0">
+              <a:t> 　　计算机系统由硬件系统和软件系统组成。</a:t>
+            </a:r>
+            <a:endParaRPr lang="en-US" altLang="zh-CN" sz="2000" b="0" dirty="0">
               <a:latin typeface="微软雅黑" panose="020B0503020204020204" pitchFamily="34" charset="-122"/>
               <a:ea typeface="微软雅黑" panose="020B0503020204020204" pitchFamily="34" charset="-122"/>
             </a:endParaRPr>
@@ -7323,11 +7749,11 @@
               </a:lnSpc>
             </a:pPr>
             <a:r>
-              <a:rPr lang="zh-CN" altLang="en-US" sz="2000" b="0">
+              <a:rPr lang="zh-CN" altLang="en-US" sz="2000" b="0" dirty="0">
                 <a:latin typeface="微软雅黑" panose="020B0503020204020204" pitchFamily="34" charset="-122"/>
                 <a:ea typeface="微软雅黑" panose="020B0503020204020204" pitchFamily="34" charset="-122"/>
               </a:rPr>
-              <a:t>其中，硬件系统由输入设备、运算器、控制器、存储器和输出设备组成；软件系统由系统软件和应用软件组成。</a:t>
+              <a:t>　　其中，硬件系统由输入设备、运算器、控制器、存储器和输出设备组成；软件系统由系统软件和应用软件组成。</a:t>
             </a:r>
           </a:p>
         </p:txBody>
@@ -7515,7 +7941,7 @@
             </a:lvl9pPr>
           </a:lstStyle>
           <a:p>
-            <a:endParaRPr lang="zh-CN" altLang="en-US" sz="2400" b="0">
+            <a:endParaRPr lang="zh-CN" altLang="en-US" sz="2400" b="0" dirty="0">
               <a:solidFill>
                 <a:srgbClr val="000000"/>
               </a:solidFill>
@@ -7526,16 +7952,16 @@
           <a:p>
             <a:pPr algn="ctr"/>
             <a:r>
-              <a:rPr lang="zh-CN" altLang="en-US" b="0">
+              <a:rPr lang="zh-CN" altLang="en-US" b="0" dirty="0">
                 <a:solidFill>
                   <a:schemeClr val="bg1"/>
                 </a:solidFill>
                 <a:latin typeface="微软雅黑" panose="020B0503020204020204" pitchFamily="34" charset="-122"/>
                 <a:ea typeface="微软雅黑" panose="020B0503020204020204" pitchFamily="34" charset="-122"/>
               </a:rPr>
-              <a:t>一 计算机系统的工作原理</a:t>
-            </a:r>
-            <a:endParaRPr lang="zh-CN" altLang="en-US">
+              <a:t>二、计算机系统的工作原理</a:t>
+            </a:r>
+            <a:endParaRPr lang="zh-CN" altLang="en-US" dirty="0">
               <a:solidFill>
                 <a:schemeClr val="bg1"/>
               </a:solidFill>
@@ -7709,11 +8135,11 @@
               </a:lnSpc>
             </a:pPr>
             <a:r>
-              <a:rPr lang="zh-CN" altLang="en-US" sz="1600" b="0">
+              <a:rPr lang="zh-CN" altLang="en-US" sz="1600" b="0" dirty="0">
                 <a:latin typeface="微软雅黑" panose="020B0503020204020204" pitchFamily="34" charset="-122"/>
                 <a:ea typeface="微软雅黑" panose="020B0503020204020204" pitchFamily="34" charset="-122"/>
               </a:rPr>
-              <a:t>计算机在接受指令后，由控制器指挥，从输入设备采集数据，传送到内存储器进行存储，再由控制器将需要参加运算的数据传送到运算器，由运算器进行处理，处理后的结果保存在存储器中，最后由输出设备输出。</a:t>
+              <a:t>　　计算机在接受指令后，由控制器指挥，从输入设备采集数据，传送到内存储器进行存储，再由控制器将需要参加运算的数据传送到运算器，由运算器进行处理，处理后的结果保存在存储器中，最后由输出设备输出。</a:t>
             </a:r>
           </a:p>
         </p:txBody>
@@ -10114,7 +10540,7 @@
         <p:spPr>
           <a:xfrm>
             <a:off x="385763" y="842963"/>
-            <a:ext cx="8507412" cy="3394075"/>
+            <a:ext cx="8507412" cy="3451225"/>
           </a:xfrm>
         </p:spPr>
         <p:txBody>
@@ -10144,7 +10570,7 @@
                 <a:latin typeface="微软雅黑" panose="020B0503020204020204" pitchFamily="34" charset="-122"/>
                 <a:ea typeface="微软雅黑" panose="020B0503020204020204" pitchFamily="34" charset="-122"/>
               </a:rPr>
-              <a:t>输入设备是向计算机输入数据的设备，是人或外部与计算机进行交互的一种装置，用于把原始数据和处理这些数据的程序输入到计算机中。</a:t>
+              <a:t>　　输入设备是向计算机输入数据的设备，是人或外部与计算机进行交互的一种装置，用于把原始数据和处理这些数据的程序输入到计算机中。</a:t>
             </a:r>
           </a:p>
           <a:p>
@@ -10161,7 +10587,92 @@
                 <a:latin typeface="微软雅黑" panose="020B0503020204020204" pitchFamily="34" charset="-122"/>
                 <a:ea typeface="微软雅黑" panose="020B0503020204020204" pitchFamily="34" charset="-122"/>
               </a:rPr>
-              <a:t>计算机能够接收各种各样的数据，既可以是数值型的数据，也可以是各种非数值型的数据，如图形、图像、声音等。常见的输入设备包括键盘、鼠标、扫描仪、触摸屏、麦克风等。</a:t>
+              <a:t>　　计算机能够接收各种各样的数据，既可以是数值型的数据，也可以是各种非数值型的数据，如图形、图像、声音等。常见的输入设备包括</a:t>
+            </a:r>
+            <a:r>
+              <a:rPr lang="zh-CN" altLang="en-US" sz="1800" dirty="0">
+                <a:solidFill>
+                  <a:srgbClr val="FF0000"/>
+                </a:solidFill>
+                <a:latin typeface="微软雅黑" panose="020B0503020204020204" pitchFamily="34" charset="-122"/>
+                <a:ea typeface="微软雅黑" panose="020B0503020204020204" pitchFamily="34" charset="-122"/>
+              </a:rPr>
+              <a:t>键盘</a:t>
+            </a:r>
+            <a:r>
+              <a:rPr lang="zh-CN" altLang="en-US" sz="1600" dirty="0">
+                <a:latin typeface="微软雅黑" panose="020B0503020204020204" pitchFamily="34" charset="-122"/>
+                <a:ea typeface="微软雅黑" panose="020B0503020204020204" pitchFamily="34" charset="-122"/>
+              </a:rPr>
+              <a:t>、</a:t>
+            </a:r>
+            <a:r>
+              <a:rPr lang="zh-CN" altLang="en-US" sz="1800" dirty="0">
+                <a:solidFill>
+                  <a:srgbClr val="FF0000"/>
+                </a:solidFill>
+                <a:latin typeface="微软雅黑" panose="020B0503020204020204" pitchFamily="34" charset="-122"/>
+                <a:ea typeface="微软雅黑" panose="020B0503020204020204" pitchFamily="34" charset="-122"/>
+              </a:rPr>
+              <a:t>鼠标</a:t>
+            </a:r>
+            <a:r>
+              <a:rPr lang="zh-CN" altLang="en-US" sz="1600" dirty="0">
+                <a:latin typeface="微软雅黑" panose="020B0503020204020204" pitchFamily="34" charset="-122"/>
+                <a:ea typeface="微软雅黑" panose="020B0503020204020204" pitchFamily="34" charset="-122"/>
+              </a:rPr>
+              <a:t>、</a:t>
+            </a:r>
+            <a:r>
+              <a:rPr lang="zh-CN" altLang="en-US" sz="1800" dirty="0">
+                <a:solidFill>
+                  <a:srgbClr val="FF0000"/>
+                </a:solidFill>
+                <a:latin typeface="微软雅黑" panose="020B0503020204020204" pitchFamily="34" charset="-122"/>
+                <a:ea typeface="微软雅黑" panose="020B0503020204020204" pitchFamily="34" charset="-122"/>
+              </a:rPr>
+              <a:t>扫描仪</a:t>
+            </a:r>
+            <a:r>
+              <a:rPr lang="zh-CN" altLang="en-US" sz="1600" dirty="0">
+                <a:latin typeface="微软雅黑" panose="020B0503020204020204" pitchFamily="34" charset="-122"/>
+                <a:ea typeface="微软雅黑" panose="020B0503020204020204" pitchFamily="34" charset="-122"/>
+              </a:rPr>
+              <a:t>、</a:t>
+            </a:r>
+            <a:r>
+              <a:rPr lang="zh-CN" altLang="en-US" sz="1800" dirty="0">
+                <a:solidFill>
+                  <a:srgbClr val="FF0000"/>
+                </a:solidFill>
+                <a:latin typeface="微软雅黑" panose="020B0503020204020204" pitchFamily="34" charset="-122"/>
+                <a:ea typeface="微软雅黑" panose="020B0503020204020204" pitchFamily="34" charset="-122"/>
+              </a:rPr>
+              <a:t>触摸屏</a:t>
+            </a:r>
+            <a:r>
+              <a:rPr lang="zh-CN" altLang="en-US" sz="1600" dirty="0">
+                <a:latin typeface="微软雅黑" panose="020B0503020204020204" pitchFamily="34" charset="-122"/>
+                <a:ea typeface="微软雅黑" panose="020B0503020204020204" pitchFamily="34" charset="-122"/>
+              </a:rPr>
+              <a:t>、</a:t>
+            </a:r>
+            <a:r>
+              <a:rPr lang="zh-CN" altLang="en-US" sz="1800" dirty="0">
+                <a:solidFill>
+                  <a:srgbClr val="FF0000"/>
+                </a:solidFill>
+                <a:latin typeface="微软雅黑" panose="020B0503020204020204" pitchFamily="34" charset="-122"/>
+                <a:ea typeface="微软雅黑" panose="020B0503020204020204" pitchFamily="34" charset="-122"/>
+              </a:rPr>
+              <a:t>麦克风</a:t>
+            </a:r>
+            <a:r>
+              <a:rPr lang="zh-CN" altLang="en-US" sz="1600" dirty="0">
+                <a:latin typeface="微软雅黑" panose="020B0503020204020204" pitchFamily="34" charset="-122"/>
+                <a:ea typeface="微软雅黑" panose="020B0503020204020204" pitchFamily="34" charset="-122"/>
+              </a:rPr>
+              <a:t>等。</a:t>
             </a:r>
           </a:p>
         </p:txBody>
@@ -10195,7 +10706,7 @@
         </p:blipFill>
         <p:spPr bwMode="auto">
           <a:xfrm>
-            <a:off x="971550" y="3003550"/>
+            <a:off x="1157287" y="3003550"/>
             <a:ext cx="2160588" cy="1290638"/>
           </a:xfrm>
           <a:prstGeom prst="rect">
@@ -10255,7 +10766,7 @@
         </p:blipFill>
         <p:spPr bwMode="auto">
           <a:xfrm>
-            <a:off x="3419475" y="3100388"/>
+            <a:off x="3595686" y="3100387"/>
             <a:ext cx="2160588" cy="1095375"/>
           </a:xfrm>
           <a:prstGeom prst="rect">
@@ -10362,8 +10873,8 @@
         </p:nvSpPr>
         <p:spPr bwMode="auto">
           <a:xfrm>
-            <a:off x="3717925" y="4294188"/>
-            <a:ext cx="4176713" cy="307975"/>
+            <a:off x="3712691" y="4481513"/>
+            <a:ext cx="1574155" cy="307777"/>
           </a:xfrm>
           <a:prstGeom prst="rect">
             <a:avLst/>
@@ -10393,7 +10904,7 @@
           </a:extLst>
         </p:spPr>
         <p:txBody>
-          <a:bodyPr>
+          <a:bodyPr wrap="square">
             <a:spAutoFit/>
           </a:bodyPr>
           <a:lstStyle>
@@ -10505,7 +11016,7 @@
           </a:lstStyle>
           <a:p>
             <a:r>
-              <a:rPr lang="zh-CN" altLang="en-US" sz="1400" b="0">
+              <a:rPr lang="zh-CN" altLang="en-US" sz="1400" b="0" dirty="0">
                 <a:latin typeface="微软雅黑" panose="020B0503020204020204" pitchFamily="34" charset="-122"/>
                 <a:ea typeface="微软雅黑" panose="020B0503020204020204" pitchFamily="34" charset="-122"/>
               </a:rPr>
@@ -10672,7 +11183,7 @@
             </a:lvl9pPr>
           </a:lstStyle>
           <a:p>
-            <a:endParaRPr lang="zh-CN" altLang="en-US" sz="2400" b="0">
+            <a:endParaRPr lang="zh-CN" altLang="en-US" sz="2400" b="0" dirty="0">
               <a:solidFill>
                 <a:srgbClr val="000000"/>
               </a:solidFill>
@@ -10683,16 +11194,16 @@
           <a:p>
             <a:pPr algn="ctr"/>
             <a:r>
-              <a:rPr lang="zh-CN" altLang="en-US" b="0">
+              <a:rPr lang="zh-CN" altLang="en-US" b="0" dirty="0">
                 <a:solidFill>
                   <a:schemeClr val="bg1"/>
                 </a:solidFill>
                 <a:latin typeface="微软雅黑" panose="020B0503020204020204" pitchFamily="34" charset="-122"/>
                 <a:ea typeface="微软雅黑" panose="020B0503020204020204" pitchFamily="34" charset="-122"/>
               </a:rPr>
-              <a:t>一 计算机系统的硬件组成</a:t>
-            </a:r>
-            <a:endParaRPr lang="zh-CN" altLang="en-US">
+              <a:t>三、计算机系统的硬件组成</a:t>
+            </a:r>
+            <a:endParaRPr lang="zh-CN" altLang="en-US" dirty="0">
               <a:solidFill>
                 <a:schemeClr val="bg1"/>
               </a:solidFill>
@@ -10776,7 +11287,75 @@
                 <a:latin typeface="微软雅黑" panose="020B0503020204020204" pitchFamily="34" charset="-122"/>
                 <a:ea typeface="微软雅黑" panose="020B0503020204020204" pitchFamily="34" charset="-122"/>
               </a:rPr>
-              <a:t>输出设备可将计算机的运算结果或者中间结果打印或显示出来。常用的输出设备有显示器、打印机、绘图仪和传真机等。</a:t>
+              <a:t>输出设备可将计算机的运算结果或者中间结果打印或显示出来。常用的输出设备有</a:t>
+            </a:r>
+            <a:r>
+              <a:rPr lang="zh-CN" altLang="en-US" sz="1800" dirty="0">
+                <a:solidFill>
+                  <a:srgbClr val="FF0000"/>
+                </a:solidFill>
+                <a:latin typeface="微软雅黑" panose="020B0503020204020204" pitchFamily="34" charset="-122"/>
+                <a:ea typeface="微软雅黑" panose="020B0503020204020204" pitchFamily="34" charset="-122"/>
+              </a:rPr>
+              <a:t>显示器</a:t>
+            </a:r>
+            <a:r>
+              <a:rPr lang="zh-CN" altLang="en-US" sz="1600" dirty="0">
+                <a:latin typeface="微软雅黑" panose="020B0503020204020204" pitchFamily="34" charset="-122"/>
+                <a:ea typeface="微软雅黑" panose="020B0503020204020204" pitchFamily="34" charset="-122"/>
+              </a:rPr>
+              <a:t>、</a:t>
+            </a:r>
+            <a:r>
+              <a:rPr lang="zh-CN" altLang="en-US" sz="1800" dirty="0">
+                <a:solidFill>
+                  <a:srgbClr val="FF0000"/>
+                </a:solidFill>
+                <a:latin typeface="微软雅黑" panose="020B0503020204020204" pitchFamily="34" charset="-122"/>
+                <a:ea typeface="微软雅黑" panose="020B0503020204020204" pitchFamily="34" charset="-122"/>
+              </a:rPr>
+              <a:t>打印机</a:t>
+            </a:r>
+            <a:r>
+              <a:rPr lang="zh-CN" altLang="en-US" sz="1600" dirty="0">
+                <a:latin typeface="微软雅黑" panose="020B0503020204020204" pitchFamily="34" charset="-122"/>
+                <a:ea typeface="微软雅黑" panose="020B0503020204020204" pitchFamily="34" charset="-122"/>
+              </a:rPr>
+              <a:t>、</a:t>
+            </a:r>
+            <a:r>
+              <a:rPr lang="zh-CN" altLang="en-US" sz="1800" dirty="0">
+                <a:solidFill>
+                  <a:srgbClr val="FF0000"/>
+                </a:solidFill>
+                <a:latin typeface="微软雅黑" panose="020B0503020204020204" pitchFamily="34" charset="-122"/>
+                <a:ea typeface="微软雅黑" panose="020B0503020204020204" pitchFamily="34" charset="-122"/>
+              </a:rPr>
+              <a:t>绘图仪</a:t>
+            </a:r>
+            <a:r>
+              <a:rPr lang="zh-CN" altLang="en-US" sz="1600" dirty="0">
+                <a:latin typeface="微软雅黑" panose="020B0503020204020204" pitchFamily="34" charset="-122"/>
+                <a:ea typeface="微软雅黑" panose="020B0503020204020204" pitchFamily="34" charset="-122"/>
+              </a:rPr>
+              <a:t>和</a:t>
+            </a:r>
+            <a:r>
+              <a:rPr lang="zh-CN" altLang="en-US" sz="1800" dirty="0">
+                <a:solidFill>
+                  <a:srgbClr val="FF0000"/>
+                </a:solidFill>
+                <a:latin typeface="微软雅黑" panose="020B0503020204020204" pitchFamily="34" charset="-122"/>
+                <a:ea typeface="微软雅黑" panose="020B0503020204020204" pitchFamily="34" charset="-122"/>
+              </a:rPr>
+              <a:t>传真机</a:t>
+            </a:r>
+            <a:r>
+              <a:rPr lang="zh-CN" altLang="en-US" sz="1600" dirty="0">
+                <a:latin typeface="微软雅黑" panose="020B0503020204020204" pitchFamily="34" charset="-122"/>
+                <a:ea typeface="微软雅黑" panose="020B0503020204020204" pitchFamily="34" charset="-122"/>
+              </a:rPr>
+              <a:t>等。</a:t>
             </a:r>
             <a:endParaRPr lang="en-US" altLang="zh-CN" sz="1600" dirty="0">
               <a:latin typeface="微软雅黑" panose="020B0503020204020204" pitchFamily="34" charset="-122"/>
@@ -11291,7 +11870,7 @@
             </a:lvl9pPr>
           </a:lstStyle>
           <a:p>
-            <a:endParaRPr lang="zh-CN" altLang="en-US" sz="2400" b="0">
+            <a:endParaRPr lang="zh-CN" altLang="en-US" sz="2400" b="0" dirty="0">
               <a:solidFill>
                 <a:srgbClr val="000000"/>
               </a:solidFill>
@@ -11302,16 +11881,16 @@
           <a:p>
             <a:pPr algn="ctr"/>
             <a:r>
-              <a:rPr lang="zh-CN" altLang="en-US" b="0">
+              <a:rPr lang="zh-CN" altLang="en-US" b="0" dirty="0">
                 <a:solidFill>
                   <a:schemeClr val="bg1"/>
                 </a:solidFill>
                 <a:latin typeface="微软雅黑" panose="020B0503020204020204" pitchFamily="34" charset="-122"/>
                 <a:ea typeface="微软雅黑" panose="020B0503020204020204" pitchFamily="34" charset="-122"/>
               </a:rPr>
-              <a:t>一 计算机系统的硬件组成</a:t>
-            </a:r>
-            <a:endParaRPr lang="zh-CN" altLang="en-US">
+              <a:t>三、计算机系统的硬件组成</a:t>
+            </a:r>
+            <a:endParaRPr lang="zh-CN" altLang="en-US" dirty="0">
               <a:solidFill>
                 <a:schemeClr val="bg1"/>
               </a:solidFill>
@@ -11365,7 +11944,7 @@
         <p:spPr>
           <a:xfrm>
             <a:off x="385763" y="842963"/>
-            <a:ext cx="8074025" cy="3394075"/>
+            <a:ext cx="8074025" cy="2160835"/>
           </a:xfrm>
         </p:spPr>
         <p:txBody>
@@ -11395,7 +11974,41 @@
                 <a:latin typeface="微软雅黑" panose="020B0503020204020204" pitchFamily="34" charset="-122"/>
                 <a:ea typeface="微软雅黑" panose="020B0503020204020204" pitchFamily="34" charset="-122"/>
               </a:rPr>
-              <a:t>计算机系统的运算器和控制器合在一起被称为中央处理器（</a:t>
+              <a:t>　　计算机系统的</a:t>
+            </a:r>
+            <a:r>
+              <a:rPr lang="zh-CN" altLang="en-US" sz="1800" b="1" dirty="0">
+                <a:solidFill>
+                  <a:srgbClr val="FF0000"/>
+                </a:solidFill>
+                <a:latin typeface="微软雅黑" panose="020B0503020204020204" pitchFamily="34" charset="-122"/>
+                <a:ea typeface="微软雅黑" panose="020B0503020204020204" pitchFamily="34" charset="-122"/>
+              </a:rPr>
+              <a:t>运算器</a:t>
+            </a:r>
+            <a:r>
+              <a:rPr lang="zh-CN" altLang="en-US" sz="1600" dirty="0">
+                <a:latin typeface="微软雅黑" panose="020B0503020204020204" pitchFamily="34" charset="-122"/>
+                <a:ea typeface="微软雅黑" panose="020B0503020204020204" pitchFamily="34" charset="-122"/>
+              </a:rPr>
+              <a:t>和</a:t>
+            </a:r>
+            <a:r>
+              <a:rPr lang="zh-CN" altLang="en-US" sz="1800" b="1" dirty="0">
+                <a:solidFill>
+                  <a:srgbClr val="FF0000"/>
+                </a:solidFill>
+                <a:latin typeface="微软雅黑" panose="020B0503020204020204" pitchFamily="34" charset="-122"/>
+                <a:ea typeface="微软雅黑" panose="020B0503020204020204" pitchFamily="34" charset="-122"/>
+              </a:rPr>
+              <a:t>控制器</a:t>
+            </a:r>
+            <a:r>
+              <a:rPr lang="zh-CN" altLang="en-US" sz="1600" dirty="0">
+                <a:latin typeface="微软雅黑" panose="020B0503020204020204" pitchFamily="34" charset="-122"/>
+                <a:ea typeface="微软雅黑" panose="020B0503020204020204" pitchFamily="34" charset="-122"/>
+              </a:rPr>
+              <a:t>合在一起被称为中央处理器（</a:t>
             </a:r>
             <a:r>
               <a:rPr lang="en-US" altLang="zh-CN" sz="1600" dirty="0">
@@ -11440,8 +12053,22 @@
                 <a:latin typeface="微软雅黑" panose="020B0503020204020204" pitchFamily="34" charset="-122"/>
                 <a:ea typeface="微软雅黑" panose="020B0503020204020204" pitchFamily="34" charset="-122"/>
               </a:rPr>
-              <a:t>中央处理器是计算机的核心部件，它的功能主要包括解释计算机指令及处理计算机软件中的数据。</a:t>
-            </a:r>
+              <a:t>　　中央处理器是计算机的核心部件，它的功能主要包括解释计算机指令及处理计算机软件中的数据。</a:t>
+            </a:r>
+            <a:endParaRPr lang="en-US" altLang="zh-CN" sz="1600" dirty="0">
+              <a:latin typeface="微软雅黑" panose="020B0503020204020204" pitchFamily="34" charset="-122"/>
+              <a:ea typeface="微软雅黑" panose="020B0503020204020204" pitchFamily="34" charset="-122"/>
+            </a:endParaRPr>
+          </a:p>
+          <a:p>
+            <a:pPr marL="109537" indent="0">
+              <a:lnSpc>
+                <a:spcPct val="150000"/>
+              </a:lnSpc>
+              <a:buFont typeface="Wingdings 3" panose="05040102010807070707" pitchFamily="18" charset="2"/>
+              <a:buNone/>
+              <a:defRPr/>
+            </a:pPr>
             <a:endParaRPr lang="en-US" altLang="zh-CN" sz="1600" dirty="0">
               <a:latin typeface="微软雅黑" panose="020B0503020204020204" pitchFamily="34" charset="-122"/>
               <a:ea typeface="微软雅黑" panose="020B0503020204020204" pitchFamily="34" charset="-122"/>
@@ -11465,8 +12092,8 @@
         </p:nvSpPr>
         <p:spPr bwMode="auto">
           <a:xfrm>
-            <a:off x="3717925" y="4294188"/>
-            <a:ext cx="4176713" cy="307975"/>
+            <a:off x="5652120" y="4448175"/>
+            <a:ext cx="2022672" cy="307777"/>
           </a:xfrm>
           <a:prstGeom prst="rect">
             <a:avLst/>
@@ -11496,7 +12123,7 @@
           </a:extLst>
         </p:spPr>
         <p:txBody>
-          <a:bodyPr>
+          <a:bodyPr wrap="square">
             <a:spAutoFit/>
           </a:bodyPr>
           <a:lstStyle>
@@ -11608,7 +12235,7 @@
           </a:lstStyle>
           <a:p>
             <a:r>
-              <a:rPr lang="zh-CN" altLang="en-US" sz="1400" b="0">
+              <a:rPr lang="zh-CN" altLang="en-US" sz="1400" b="0" dirty="0">
                 <a:latin typeface="微软雅黑" panose="020B0503020204020204" pitchFamily="34" charset="-122"/>
                 <a:ea typeface="微软雅黑" panose="020B0503020204020204" pitchFamily="34" charset="-122"/>
               </a:rPr>
@@ -11632,7 +12259,7 @@
           <p:nvPr/>
         </p:nvPicPr>
         <p:blipFill>
-          <a:blip r:embed="rId2">
+          <a:blip r:embed="rId3">
             <a:extLst>
               <a:ext uri="{28A0092B-C50C-407E-A947-70E740481C1C}">
                 <a14:useLocalDpi xmlns:a14="http://schemas.microsoft.com/office/drawing/2010/main" val="0"/>
@@ -11646,7 +12273,7 @@
         </p:blipFill>
         <p:spPr bwMode="auto">
           <a:xfrm>
-            <a:off x="2843213" y="2600325"/>
+            <a:off x="5803999" y="2811462"/>
             <a:ext cx="2592387" cy="1636713"/>
           </a:xfrm>
           <a:prstGeom prst="rect">
@@ -11835,7 +12462,7 @@
             </a:lvl9pPr>
           </a:lstStyle>
           <a:p>
-            <a:endParaRPr lang="zh-CN" altLang="en-US" sz="2400" b="0">
+            <a:endParaRPr lang="zh-CN" altLang="en-US" sz="2400" b="0" dirty="0">
               <a:solidFill>
                 <a:srgbClr val="000000"/>
               </a:solidFill>
@@ -11846,21 +12473,162 @@
           <a:p>
             <a:pPr algn="ctr"/>
             <a:r>
-              <a:rPr lang="zh-CN" altLang="en-US" b="0">
+              <a:rPr lang="zh-CN" altLang="en-US" b="0" dirty="0">
                 <a:solidFill>
                   <a:schemeClr val="bg1"/>
                 </a:solidFill>
                 <a:latin typeface="微软雅黑" panose="020B0503020204020204" pitchFamily="34" charset="-122"/>
                 <a:ea typeface="微软雅黑" panose="020B0503020204020204" pitchFamily="34" charset="-122"/>
               </a:rPr>
-              <a:t>一 计算机系统的硬件组成</a:t>
-            </a:r>
-            <a:endParaRPr lang="zh-CN" altLang="en-US">
+              <a:t>三、计算机系统的硬件组成</a:t>
+            </a:r>
+            <a:endParaRPr lang="zh-CN" altLang="en-US" dirty="0">
               <a:solidFill>
                 <a:schemeClr val="bg1"/>
               </a:solidFill>
               <a:latin typeface="微软雅黑" panose="020B0503020204020204" pitchFamily="34" charset="-122"/>
               <a:ea typeface="微软雅黑" panose="020B0503020204020204" pitchFamily="34" charset="-122"/>
+            </a:endParaRPr>
+          </a:p>
+        </p:txBody>
+      </p:sp>
+      <p:sp>
+        <p:nvSpPr>
+          <p:cNvPr id="2" name="矩形 1">
+            <a:extLst>
+              <a:ext uri="{FF2B5EF4-FFF2-40B4-BE49-F238E27FC236}">
+                <a16:creationId xmlns:a16="http://schemas.microsoft.com/office/drawing/2014/main" id="{1007F6AF-06A3-4B85-AE78-DB1317155083}"/>
+              </a:ext>
+            </a:extLst>
+          </p:cNvPr>
+          <p:cNvSpPr/>
+          <p:nvPr/>
+        </p:nvSpPr>
+        <p:spPr>
+          <a:xfrm>
+            <a:off x="1080120" y="2936223"/>
+            <a:ext cx="4572000" cy="1511952"/>
+          </a:xfrm>
+          <a:prstGeom prst="rect">
+            <a:avLst/>
+          </a:prstGeom>
+        </p:spPr>
+        <p:txBody>
+          <a:bodyPr>
+            <a:spAutoFit/>
+          </a:bodyPr>
+          <a:lstStyle/>
+          <a:p>
+            <a:pPr>
+              <a:lnSpc>
+                <a:spcPct val="150000"/>
+              </a:lnSpc>
+              <a:buFont typeface="Arial" panose="020B0604020202020204" pitchFamily="34" charset="0"/>
+              <a:buNone/>
+            </a:pPr>
+            <a:r>
+              <a:rPr lang="zh-CN" altLang="zh-CN" sz="1600" dirty="0">
+                <a:latin typeface="楷体_GB2312" panose="02010609030101010101" pitchFamily="49" charset="-122"/>
+                <a:ea typeface="楷体_GB2312" panose="02010609030101010101" pitchFamily="49" charset="-122"/>
+              </a:rPr>
+              <a:t>①</a:t>
+            </a:r>
+            <a:r>
+              <a:rPr lang="zh-CN" altLang="zh-CN" sz="1600" dirty="0">
+                <a:solidFill>
+                  <a:srgbClr val="FF0000"/>
+                </a:solidFill>
+                <a:latin typeface="楷体_GB2312" panose="02010609030101010101" pitchFamily="49" charset="-122"/>
+                <a:ea typeface="楷体_GB2312" panose="02010609030101010101" pitchFamily="49" charset="-122"/>
+              </a:rPr>
+              <a:t>运算器</a:t>
+            </a:r>
+            <a:r>
+              <a:rPr lang="zh-CN" altLang="zh-CN" sz="1600" dirty="0">
+                <a:latin typeface="楷体_GB2312" panose="02010609030101010101" pitchFamily="49" charset="-122"/>
+                <a:ea typeface="楷体_GB2312" panose="02010609030101010101" pitchFamily="49" charset="-122"/>
+              </a:rPr>
+              <a:t>是用于加工数据的部件，可以进行算术运算和逻辑运算。</a:t>
+            </a:r>
+          </a:p>
+          <a:p>
+            <a:pPr>
+              <a:lnSpc>
+                <a:spcPct val="150000"/>
+              </a:lnSpc>
+              <a:buFont typeface="Arial" panose="020B0604020202020204" pitchFamily="34" charset="0"/>
+              <a:buNone/>
+            </a:pPr>
+            <a:r>
+              <a:rPr lang="zh-CN" altLang="zh-CN" sz="1600" dirty="0">
+                <a:latin typeface="楷体_GB2312" panose="02010609030101010101" pitchFamily="49" charset="-122"/>
+                <a:ea typeface="楷体_GB2312" panose="02010609030101010101" pitchFamily="49" charset="-122"/>
+              </a:rPr>
+              <a:t>②</a:t>
+            </a:r>
+            <a:r>
+              <a:rPr lang="zh-CN" altLang="zh-CN" sz="1600" dirty="0">
+                <a:solidFill>
+                  <a:srgbClr val="FF0000"/>
+                </a:solidFill>
+                <a:latin typeface="楷体_GB2312" panose="02010609030101010101" pitchFamily="49" charset="-122"/>
+                <a:ea typeface="楷体_GB2312" panose="02010609030101010101" pitchFamily="49" charset="-122"/>
+              </a:rPr>
+              <a:t>控制器</a:t>
+            </a:r>
+            <a:r>
+              <a:rPr lang="zh-CN" altLang="zh-CN" sz="1600" dirty="0">
+                <a:latin typeface="楷体_GB2312" panose="02010609030101010101" pitchFamily="49" charset="-122"/>
+                <a:ea typeface="楷体_GB2312" panose="02010609030101010101" pitchFamily="49" charset="-122"/>
+              </a:rPr>
+              <a:t>是计算机的控制部件。</a:t>
+            </a:r>
+            <a:endParaRPr lang="en-US" altLang="zh-CN" sz="1600" dirty="0">
+              <a:latin typeface="楷体_GB2312" panose="02010609030101010101" pitchFamily="49" charset="-122"/>
+              <a:ea typeface="楷体_GB2312" panose="02010609030101010101" pitchFamily="49" charset="-122"/>
+            </a:endParaRPr>
+          </a:p>
+          <a:p>
+            <a:pPr>
+              <a:lnSpc>
+                <a:spcPct val="150000"/>
+              </a:lnSpc>
+              <a:buFont typeface="Arial" panose="020B0604020202020204" pitchFamily="34" charset="0"/>
+              <a:buNone/>
+            </a:pPr>
+            <a:r>
+              <a:rPr lang="zh-CN" altLang="zh-CN" sz="1600" dirty="0">
+                <a:solidFill>
+                  <a:srgbClr val="FF0000"/>
+                </a:solidFill>
+                <a:latin typeface="楷体_GB2312" panose="02010609030101010101" pitchFamily="49" charset="-122"/>
+                <a:ea typeface="楷体_GB2312" panose="02010609030101010101" pitchFamily="49" charset="-122"/>
+              </a:rPr>
+              <a:t>③寄存器</a:t>
+            </a:r>
+            <a:r>
+              <a:rPr lang="zh-CN" altLang="en-US" sz="1600" dirty="0">
+                <a:solidFill>
+                  <a:srgbClr val="FF0000"/>
+                </a:solidFill>
+                <a:latin typeface="楷体_GB2312" panose="02010609030101010101" pitchFamily="49" charset="-122"/>
+                <a:ea typeface="楷体_GB2312" panose="02010609030101010101" pitchFamily="49" charset="-122"/>
+              </a:rPr>
+              <a:t>、缓存</a:t>
+            </a:r>
+            <a:r>
+              <a:rPr lang="en-US" altLang="zh-CN" sz="1600" dirty="0">
+                <a:solidFill>
+                  <a:srgbClr val="FF0000"/>
+                </a:solidFill>
+                <a:latin typeface="楷体_GB2312" panose="02010609030101010101" pitchFamily="49" charset="-122"/>
+                <a:ea typeface="楷体_GB2312" panose="02010609030101010101" pitchFamily="49" charset="-122"/>
+              </a:rPr>
+              <a:t>……</a:t>
+            </a:r>
+            <a:endParaRPr lang="zh-CN" altLang="zh-CN" sz="1600" dirty="0">
+              <a:latin typeface="楷体_GB2312" panose="02010609030101010101" pitchFamily="49" charset="-122"/>
+              <a:ea typeface="楷体_GB2312" panose="02010609030101010101" pitchFamily="49" charset="-122"/>
             </a:endParaRPr>
           </a:p>
         </p:txBody>
@@ -11939,7 +12707,7 @@
                 <a:latin typeface="微软雅黑" panose="020B0503020204020204" pitchFamily="34" charset="-122"/>
                 <a:ea typeface="微软雅黑" panose="020B0503020204020204" pitchFamily="34" charset="-122"/>
               </a:rPr>
-              <a:t>存储器是计算机系统的记忆装置</a:t>
+              <a:t>　　存储器是计算机系统的记忆装置</a:t>
             </a:r>
             <a:r>
               <a:rPr lang="en-US" altLang="zh-CN" sz="1600" dirty="0">
@@ -11974,7 +12742,17 @@
                 <a:latin typeface="微软雅黑" panose="020B0503020204020204" pitchFamily="34" charset="-122"/>
                 <a:ea typeface="微软雅黑" panose="020B0503020204020204" pitchFamily="34" charset="-122"/>
               </a:rPr>
-              <a:t>存储器分为内部存储器和外部存储器。内部存储器又分为随机存储器</a:t>
+              <a:t>　　存储器分为内部存储器和外部存储器。内部存储器又分为</a:t>
+            </a:r>
+            <a:r>
+              <a:rPr lang="zh-CN" altLang="en-US" sz="1600" dirty="0">
+                <a:solidFill>
+                  <a:srgbClr val="FF0000"/>
+                </a:solidFill>
+                <a:latin typeface="微软雅黑" panose="020B0503020204020204" pitchFamily="34" charset="-122"/>
+                <a:ea typeface="微软雅黑" panose="020B0503020204020204" pitchFamily="34" charset="-122"/>
+              </a:rPr>
+              <a:t>随机存储器</a:t>
             </a:r>
             <a:r>
               <a:rPr lang="en-US" altLang="zh-CN" sz="1600" dirty="0">
@@ -11988,7 +12766,17 @@
                 <a:latin typeface="微软雅黑" panose="020B0503020204020204" pitchFamily="34" charset="-122"/>
                 <a:ea typeface="微软雅黑" panose="020B0503020204020204" pitchFamily="34" charset="-122"/>
               </a:rPr>
-              <a:t>Memory,RAM</a:t>
+              <a:t>Memory,</a:t>
+            </a:r>
+            <a:r>
+              <a:rPr lang="en-US" altLang="zh-CN" sz="1600" dirty="0" err="1">
+                <a:solidFill>
+                  <a:srgbClr val="FF0000"/>
+                </a:solidFill>
+                <a:latin typeface="微软雅黑" panose="020B0503020204020204" pitchFamily="34" charset="-122"/>
+                <a:ea typeface="微软雅黑" panose="020B0503020204020204" pitchFamily="34" charset="-122"/>
+              </a:rPr>
+              <a:t>RAM</a:t>
             </a:r>
             <a:r>
               <a:rPr lang="en-US" altLang="zh-CN" sz="1600" dirty="0">
@@ -12002,7 +12790,17 @@
                 <a:latin typeface="微软雅黑" panose="020B0503020204020204" pitchFamily="34" charset="-122"/>
                 <a:ea typeface="微软雅黑" panose="020B0503020204020204" pitchFamily="34" charset="-122"/>
               </a:rPr>
-              <a:t>和只读存储器</a:t>
+              <a:t>和</a:t>
+            </a:r>
+            <a:r>
+              <a:rPr lang="zh-CN" altLang="en-US" sz="1600" dirty="0">
+                <a:solidFill>
+                  <a:srgbClr val="FF0000"/>
+                </a:solidFill>
+                <a:latin typeface="微软雅黑" panose="020B0503020204020204" pitchFamily="34" charset="-122"/>
+                <a:ea typeface="微软雅黑" panose="020B0503020204020204" pitchFamily="34" charset="-122"/>
+              </a:rPr>
+              <a:t>只读存储器</a:t>
             </a:r>
             <a:r>
               <a:rPr lang="en-US" altLang="zh-CN" sz="1600" dirty="0">
@@ -12016,7 +12814,17 @@
                 <a:latin typeface="微软雅黑" panose="020B0503020204020204" pitchFamily="34" charset="-122"/>
                 <a:ea typeface="微软雅黑" panose="020B0503020204020204" pitchFamily="34" charset="-122"/>
               </a:rPr>
-              <a:t>Memory,ROM</a:t>
+              <a:t>Memory,</a:t>
+            </a:r>
+            <a:r>
+              <a:rPr lang="en-US" altLang="zh-CN" sz="1600" dirty="0" err="1">
+                <a:solidFill>
+                  <a:srgbClr val="FF0000"/>
+                </a:solidFill>
+                <a:latin typeface="微软雅黑" panose="020B0503020204020204" pitchFamily="34" charset="-122"/>
+                <a:ea typeface="微软雅黑" panose="020B0503020204020204" pitchFamily="34" charset="-122"/>
+              </a:rPr>
+              <a:t>ROM</a:t>
             </a:r>
             <a:r>
               <a:rPr lang="en-US" altLang="zh-CN" sz="1600" dirty="0">
@@ -12030,133 +12838,154 @@
                 <a:latin typeface="微软雅黑" panose="020B0503020204020204" pitchFamily="34" charset="-122"/>
                 <a:ea typeface="微软雅黑" panose="020B0503020204020204" pitchFamily="34" charset="-122"/>
               </a:rPr>
-              <a:t>。随机存储器中的数据可以读出</a:t>
+              <a:t>。</a:t>
+            </a:r>
+            <a:endParaRPr lang="en-US" altLang="zh-CN" sz="1600" dirty="0">
+              <a:latin typeface="微软雅黑" panose="020B0503020204020204" pitchFamily="34" charset="-122"/>
+              <a:ea typeface="微软雅黑" panose="020B0503020204020204" pitchFamily="34" charset="-122"/>
+            </a:endParaRPr>
+          </a:p>
+          <a:p>
+            <a:pPr marL="109537" indent="0">
+              <a:lnSpc>
+                <a:spcPct val="150000"/>
+              </a:lnSpc>
+              <a:buFont typeface="Wingdings 3" panose="05040102010807070707" pitchFamily="18" charset="2"/>
+              <a:buNone/>
+              <a:defRPr/>
+            </a:pPr>
+            <a:r>
+              <a:rPr lang="zh-CN" altLang="en-US" sz="1600" dirty="0">
+                <a:latin typeface="微软雅黑" panose="020B0503020204020204" pitchFamily="34" charset="-122"/>
+                <a:ea typeface="微软雅黑" panose="020B0503020204020204" pitchFamily="34" charset="-122"/>
+              </a:rPr>
+              <a:t>　　随机存储器中的数据可以读出，也可以写入，断电后存储内容消失。</a:t>
+            </a:r>
+            <a:endParaRPr lang="en-US" altLang="zh-CN" sz="1600" dirty="0">
+              <a:latin typeface="微软雅黑" panose="020B0503020204020204" pitchFamily="34" charset="-122"/>
+              <a:ea typeface="微软雅黑" panose="020B0503020204020204" pitchFamily="34" charset="-122"/>
+            </a:endParaRPr>
+          </a:p>
+          <a:p>
+            <a:pPr marL="109537" indent="0">
+              <a:lnSpc>
+                <a:spcPct val="150000"/>
+              </a:lnSpc>
+              <a:buFont typeface="Wingdings 3" panose="05040102010807070707" pitchFamily="18" charset="2"/>
+              <a:buNone/>
+              <a:defRPr/>
+            </a:pPr>
+            <a:r>
+              <a:rPr lang="zh-CN" altLang="en-US" sz="1600" dirty="0">
+                <a:latin typeface="微软雅黑" panose="020B0503020204020204" pitchFamily="34" charset="-122"/>
+                <a:ea typeface="微软雅黑" panose="020B0503020204020204" pitchFamily="34" charset="-122"/>
+              </a:rPr>
+              <a:t>　　只读存储器中的数据只能读出，不能由用户再写入新内容，断电后数据不会丢失。</a:t>
+            </a:r>
+            <a:endParaRPr lang="en-US" altLang="zh-CN" sz="1600" dirty="0">
+              <a:latin typeface="微软雅黑" panose="020B0503020204020204" pitchFamily="34" charset="-122"/>
+              <a:ea typeface="微软雅黑" panose="020B0503020204020204" pitchFamily="34" charset="-122"/>
+            </a:endParaRPr>
+          </a:p>
+          <a:p>
+            <a:pPr marL="109537" indent="0">
+              <a:lnSpc>
+                <a:spcPct val="150000"/>
+              </a:lnSpc>
+              <a:buFont typeface="Wingdings 3" panose="05040102010807070707" pitchFamily="18" charset="2"/>
+              <a:buNone/>
+              <a:defRPr/>
+            </a:pPr>
+            <a:r>
+              <a:rPr lang="zh-CN" altLang="en-US" sz="1600" dirty="0">
+                <a:latin typeface="微软雅黑" panose="020B0503020204020204" pitchFamily="34" charset="-122"/>
+                <a:ea typeface="微软雅黑" panose="020B0503020204020204" pitchFamily="34" charset="-122"/>
+              </a:rPr>
+              <a:t>　　外部存储器又称辅助存储器，如硬盘</a:t>
             </a:r>
             <a:r>
               <a:rPr lang="en-US" altLang="zh-CN" sz="1600" dirty="0">
                 <a:latin typeface="微软雅黑" panose="020B0503020204020204" pitchFamily="34" charset="-122"/>
                 <a:ea typeface="微软雅黑" panose="020B0503020204020204" pitchFamily="34" charset="-122"/>
               </a:rPr>
-              <a:t>,</a:t>
+              <a:t>(</a:t>
             </a:r>
             <a:r>
               <a:rPr lang="zh-CN" altLang="en-US" sz="1600" dirty="0">
                 <a:latin typeface="微软雅黑" panose="020B0503020204020204" pitchFamily="34" charset="-122"/>
                 <a:ea typeface="微软雅黑" panose="020B0503020204020204" pitchFamily="34" charset="-122"/>
               </a:rPr>
-              <a:t>也可以写入</a:t>
+              <a:t>机械硬盘</a:t>
             </a:r>
             <a:r>
               <a:rPr lang="en-US" altLang="zh-CN" sz="1600" dirty="0">
                 <a:latin typeface="微软雅黑" panose="020B0503020204020204" pitchFamily="34" charset="-122"/>
                 <a:ea typeface="微软雅黑" panose="020B0503020204020204" pitchFamily="34" charset="-122"/>
               </a:rPr>
-              <a:t>,</a:t>
+              <a:t>HDD</a:t>
             </a:r>
             <a:r>
               <a:rPr lang="zh-CN" altLang="en-US" sz="1600" dirty="0">
                 <a:latin typeface="微软雅黑" panose="020B0503020204020204" pitchFamily="34" charset="-122"/>
                 <a:ea typeface="微软雅黑" panose="020B0503020204020204" pitchFamily="34" charset="-122"/>
               </a:rPr>
-              <a:t>断电后存储内容消失。只读存储器中的数据只能读出</a:t>
+              <a:t>和固态硬盘</a:t>
             </a:r>
             <a:r>
               <a:rPr lang="en-US" altLang="zh-CN" sz="1600" dirty="0">
                 <a:latin typeface="微软雅黑" panose="020B0503020204020204" pitchFamily="34" charset="-122"/>
                 <a:ea typeface="微软雅黑" panose="020B0503020204020204" pitchFamily="34" charset="-122"/>
               </a:rPr>
-              <a:t>,</a:t>
+              <a:t>SSD)</a:t>
             </a:r>
             <a:r>
               <a:rPr lang="zh-CN" altLang="en-US" sz="1600" dirty="0">
                 <a:latin typeface="微软雅黑" panose="020B0503020204020204" pitchFamily="34" charset="-122"/>
                 <a:ea typeface="微软雅黑" panose="020B0503020204020204" pitchFamily="34" charset="-122"/>
               </a:rPr>
-              <a:t>不能由用户再写入新内容</a:t>
+              <a:t>、</a:t>
             </a:r>
             <a:r>
               <a:rPr lang="en-US" altLang="zh-CN" sz="1600" dirty="0">
                 <a:latin typeface="微软雅黑" panose="020B0503020204020204" pitchFamily="34" charset="-122"/>
                 <a:ea typeface="微软雅黑" panose="020B0503020204020204" pitchFamily="34" charset="-122"/>
               </a:rPr>
-              <a:t>,</a:t>
+              <a:t>U</a:t>
             </a:r>
             <a:r>
               <a:rPr lang="zh-CN" altLang="en-US" sz="1600" dirty="0">
                 <a:latin typeface="微软雅黑" panose="020B0503020204020204" pitchFamily="34" charset="-122"/>
                 <a:ea typeface="微软雅黑" panose="020B0503020204020204" pitchFamily="34" charset="-122"/>
               </a:rPr>
-              <a:t>断电后数据不会丢失。外部存储器又称辅助存储器</a:t>
+              <a:t>盘、软盘、磁带、</a:t>
             </a:r>
             <a:r>
               <a:rPr lang="en-US" altLang="zh-CN" sz="1600" dirty="0">
                 <a:latin typeface="微软雅黑" panose="020B0503020204020204" pitchFamily="34" charset="-122"/>
                 <a:ea typeface="微软雅黑" panose="020B0503020204020204" pitchFamily="34" charset="-122"/>
               </a:rPr>
-              <a:t>,</a:t>
+              <a:t>CD</a:t>
             </a:r>
             <a:r>
               <a:rPr lang="zh-CN" altLang="en-US" sz="1600" dirty="0">
                 <a:latin typeface="微软雅黑" panose="020B0503020204020204" pitchFamily="34" charset="-122"/>
                 <a:ea typeface="微软雅黑" panose="020B0503020204020204" pitchFamily="34" charset="-122"/>
               </a:rPr>
-              <a:t>如硬盘、</a:t>
+              <a:t>、</a:t>
             </a:r>
             <a:r>
               <a:rPr lang="en-US" altLang="zh-CN" sz="1600" dirty="0">
                 <a:latin typeface="微软雅黑" panose="020B0503020204020204" pitchFamily="34" charset="-122"/>
                 <a:ea typeface="微软雅黑" panose="020B0503020204020204" pitchFamily="34" charset="-122"/>
               </a:rPr>
-              <a:t>U</a:t>
+              <a:t>DVD</a:t>
             </a:r>
             <a:r>
               <a:rPr lang="zh-CN" altLang="en-US" sz="1600" dirty="0">
                 <a:latin typeface="微软雅黑" panose="020B0503020204020204" pitchFamily="34" charset="-122"/>
                 <a:ea typeface="微软雅黑" panose="020B0503020204020204" pitchFamily="34" charset="-122"/>
               </a:rPr>
-              <a:t>盘、软盘、磁带、</a:t>
-            </a:r>
-            <a:r>
-              <a:rPr lang="en-US" altLang="zh-CN" sz="1600" dirty="0">
-                <a:latin typeface="微软雅黑" panose="020B0503020204020204" pitchFamily="34" charset="-122"/>
-                <a:ea typeface="微软雅黑" panose="020B0503020204020204" pitchFamily="34" charset="-122"/>
-              </a:rPr>
-              <a:t>CD</a:t>
-            </a:r>
-            <a:r>
-              <a:rPr lang="zh-CN" altLang="en-US" sz="1600" dirty="0">
-                <a:latin typeface="微软雅黑" panose="020B0503020204020204" pitchFamily="34" charset="-122"/>
-                <a:ea typeface="微软雅黑" panose="020B0503020204020204" pitchFamily="34" charset="-122"/>
-              </a:rPr>
-              <a:t>、</a:t>
-            </a:r>
-            <a:r>
-              <a:rPr lang="en-US" altLang="zh-CN" sz="1600" dirty="0">
-                <a:latin typeface="微软雅黑" panose="020B0503020204020204" pitchFamily="34" charset="-122"/>
-                <a:ea typeface="微软雅黑" panose="020B0503020204020204" pitchFamily="34" charset="-122"/>
-              </a:rPr>
-              <a:t>DVD</a:t>
-            </a:r>
-            <a:r>
-              <a:rPr lang="zh-CN" altLang="en-US" sz="1600" dirty="0">
-                <a:latin typeface="微软雅黑" panose="020B0503020204020204" pitchFamily="34" charset="-122"/>
-                <a:ea typeface="微软雅黑" panose="020B0503020204020204" pitchFamily="34" charset="-122"/>
-              </a:rPr>
-              <a:t>等能长期保存信息</a:t>
-            </a:r>
-            <a:r>
-              <a:rPr lang="en-US" altLang="zh-CN" sz="1600" dirty="0">
-                <a:latin typeface="微软雅黑" panose="020B0503020204020204" pitchFamily="34" charset="-122"/>
-                <a:ea typeface="微软雅黑" panose="020B0503020204020204" pitchFamily="34" charset="-122"/>
-              </a:rPr>
-              <a:t>,</a:t>
-            </a:r>
-            <a:r>
-              <a:rPr lang="zh-CN" altLang="en-US" sz="1600" dirty="0">
-                <a:latin typeface="微软雅黑" panose="020B0503020204020204" pitchFamily="34" charset="-122"/>
-                <a:ea typeface="微软雅黑" panose="020B0503020204020204" pitchFamily="34" charset="-122"/>
-              </a:rPr>
-              <a:t>并且对信息的保存不依赖于电源。</a:t>
+              <a:t>等能长期保存信息，并且对信息的保存不依赖于电源。</a:t>
             </a:r>
             <a:endParaRPr lang="en-US" altLang="zh-CN" sz="1600" dirty="0">
               <a:latin typeface="微软雅黑" panose="020B0503020204020204" pitchFamily="34" charset="-122"/>
@@ -12180,7 +13009,7 @@
           <p:nvPr/>
         </p:nvPicPr>
         <p:blipFill>
-          <a:blip r:embed="rId2">
+          <a:blip r:embed="rId3">
             <a:extLst>
               <a:ext uri="{28A0092B-C50C-407E-A947-70E740481C1C}">
                 <a14:useLocalDpi xmlns:a14="http://schemas.microsoft.com/office/drawing/2010/main" val="0"/>
@@ -12194,7 +13023,7 @@
         </p:blipFill>
         <p:spPr bwMode="auto">
           <a:xfrm>
-            <a:off x="2268538" y="3621088"/>
+            <a:off x="1691680" y="4083049"/>
             <a:ext cx="4751387" cy="966787"/>
           </a:xfrm>
           <a:prstGeom prst="rect">
@@ -12241,8 +13070,8 @@
         </p:nvSpPr>
         <p:spPr bwMode="auto">
           <a:xfrm>
-            <a:off x="3743325" y="4443413"/>
-            <a:ext cx="4176713" cy="307975"/>
+            <a:off x="6466259" y="4566442"/>
+            <a:ext cx="1440160" cy="307975"/>
           </a:xfrm>
           <a:prstGeom prst="rect">
             <a:avLst/>
@@ -12272,7 +13101,7 @@
           </a:extLst>
         </p:spPr>
         <p:txBody>
-          <a:bodyPr>
+          <a:bodyPr wrap="square">
             <a:spAutoFit/>
           </a:bodyPr>
           <a:lstStyle>
@@ -12384,7 +13213,7 @@
           </a:lstStyle>
           <a:p>
             <a:r>
-              <a:rPr lang="zh-CN" altLang="en-US" sz="1400" b="0">
+              <a:rPr lang="zh-CN" altLang="en-US" sz="1400" b="0" dirty="0">
                 <a:latin typeface="微软雅黑" panose="020B0503020204020204" pitchFamily="34" charset="-122"/>
                 <a:ea typeface="微软雅黑" panose="020B0503020204020204" pitchFamily="34" charset="-122"/>
               </a:rPr>
@@ -12551,7 +13380,7 @@
             </a:lvl9pPr>
           </a:lstStyle>
           <a:p>
-            <a:endParaRPr lang="zh-CN" altLang="en-US" sz="2400" b="0">
+            <a:endParaRPr lang="zh-CN" altLang="en-US" sz="2400" b="0" dirty="0">
               <a:solidFill>
                 <a:srgbClr val="000000"/>
               </a:solidFill>
@@ -12562,22 +13391,362 @@
           <a:p>
             <a:pPr algn="ctr"/>
             <a:r>
-              <a:rPr lang="zh-CN" altLang="en-US" b="0">
+              <a:rPr lang="zh-CN" altLang="en-US" b="0" dirty="0">
                 <a:solidFill>
                   <a:schemeClr val="bg1"/>
                 </a:solidFill>
                 <a:latin typeface="微软雅黑" panose="020B0503020204020204" pitchFamily="34" charset="-122"/>
                 <a:ea typeface="微软雅黑" panose="020B0503020204020204" pitchFamily="34" charset="-122"/>
               </a:rPr>
-              <a:t>一 计算机系统的硬件组成</a:t>
-            </a:r>
-            <a:endParaRPr lang="zh-CN" altLang="en-US">
+              <a:t>三、计算机系统的硬件组成</a:t>
+            </a:r>
+            <a:endParaRPr lang="zh-CN" altLang="en-US" dirty="0">
               <a:solidFill>
                 <a:schemeClr val="bg1"/>
               </a:solidFill>
               <a:latin typeface="微软雅黑" panose="020B0503020204020204" pitchFamily="34" charset="-122"/>
               <a:ea typeface="微软雅黑" panose="020B0503020204020204" pitchFamily="34" charset="-122"/>
             </a:endParaRPr>
+          </a:p>
+        </p:txBody>
+      </p:sp>
+      <p:sp>
+        <p:nvSpPr>
+          <p:cNvPr id="6" name="Rectangle 171">
+            <a:extLst>
+              <a:ext uri="{FF2B5EF4-FFF2-40B4-BE49-F238E27FC236}">
+                <a16:creationId xmlns:a16="http://schemas.microsoft.com/office/drawing/2014/main" id="{423061B2-D467-4D9C-A79B-C16809636887}"/>
+              </a:ext>
+            </a:extLst>
+          </p:cNvPr>
+          <p:cNvSpPr>
+            <a:spLocks noChangeArrowheads="1"/>
+          </p:cNvSpPr>
+          <p:nvPr/>
+        </p:nvSpPr>
+        <p:spPr bwMode="auto">
+          <a:xfrm>
+            <a:off x="2694173" y="949236"/>
+            <a:ext cx="6142408" cy="2843535"/>
+          </a:xfrm>
+          <a:prstGeom prst="rect">
+            <a:avLst/>
+          </a:prstGeom>
+          <a:solidFill>
+            <a:schemeClr val="bg1">
+              <a:lumMod val="95000"/>
+            </a:schemeClr>
+          </a:solidFill>
+          <a:ln w="28575">
+            <a:solidFill>
+              <a:srgbClr val="FED16C"/>
+            </a:solidFill>
+            <a:prstDash val="sysDash"/>
+            <a:miter lim="800000"/>
+            <a:headEnd/>
+            <a:tailEnd/>
+          </a:ln>
+        </p:spPr>
+        <p:txBody>
+          <a:bodyPr wrap="square" lIns="0" tIns="0" rIns="0" bIns="0">
+            <a:spAutoFit/>
+          </a:bodyPr>
+          <a:lstStyle>
+            <a:lvl1pPr marL="71438">
+              <a:defRPr>
+                <a:solidFill>
+                  <a:schemeClr val="tx1"/>
+                </a:solidFill>
+                <a:latin typeface="Calibri" panose="020F0502020204030204" pitchFamily="34" charset="0"/>
+                <a:ea typeface="宋体" panose="02010600030101010101" pitchFamily="2" charset="-122"/>
+              </a:defRPr>
+            </a:lvl1pPr>
+            <a:lvl2pPr>
+              <a:defRPr>
+                <a:solidFill>
+                  <a:schemeClr val="tx1"/>
+                </a:solidFill>
+                <a:latin typeface="Calibri" panose="020F0502020204030204" pitchFamily="34" charset="0"/>
+                <a:ea typeface="宋体" panose="02010600030101010101" pitchFamily="2" charset="-122"/>
+              </a:defRPr>
+            </a:lvl2pPr>
+            <a:lvl3pPr>
+              <a:defRPr>
+                <a:solidFill>
+                  <a:schemeClr val="tx1"/>
+                </a:solidFill>
+                <a:latin typeface="Calibri" panose="020F0502020204030204" pitchFamily="34" charset="0"/>
+                <a:ea typeface="宋体" panose="02010600030101010101" pitchFamily="2" charset="-122"/>
+              </a:defRPr>
+            </a:lvl3pPr>
+            <a:lvl4pPr>
+              <a:defRPr>
+                <a:solidFill>
+                  <a:schemeClr val="tx1"/>
+                </a:solidFill>
+                <a:latin typeface="Calibri" panose="020F0502020204030204" pitchFamily="34" charset="0"/>
+                <a:ea typeface="宋体" panose="02010600030101010101" pitchFamily="2" charset="-122"/>
+              </a:defRPr>
+            </a:lvl4pPr>
+            <a:lvl5pPr>
+              <a:defRPr>
+                <a:solidFill>
+                  <a:schemeClr val="tx1"/>
+                </a:solidFill>
+                <a:latin typeface="Calibri" panose="020F0502020204030204" pitchFamily="34" charset="0"/>
+                <a:ea typeface="宋体" panose="02010600030101010101" pitchFamily="2" charset="-122"/>
+              </a:defRPr>
+            </a:lvl5pPr>
+            <a:lvl6pPr fontAlgn="base">
+              <a:spcBef>
+                <a:spcPct val="0"/>
+              </a:spcBef>
+              <a:spcAft>
+                <a:spcPct val="0"/>
+              </a:spcAft>
+              <a:defRPr>
+                <a:solidFill>
+                  <a:schemeClr val="tx1"/>
+                </a:solidFill>
+                <a:latin typeface="Calibri" panose="020F0502020204030204" pitchFamily="34" charset="0"/>
+                <a:ea typeface="宋体" panose="02010600030101010101" pitchFamily="2" charset="-122"/>
+              </a:defRPr>
+            </a:lvl6pPr>
+            <a:lvl7pPr fontAlgn="base">
+              <a:spcBef>
+                <a:spcPct val="0"/>
+              </a:spcBef>
+              <a:spcAft>
+                <a:spcPct val="0"/>
+              </a:spcAft>
+              <a:defRPr>
+                <a:solidFill>
+                  <a:schemeClr val="tx1"/>
+                </a:solidFill>
+                <a:latin typeface="Calibri" panose="020F0502020204030204" pitchFamily="34" charset="0"/>
+                <a:ea typeface="宋体" panose="02010600030101010101" pitchFamily="2" charset="-122"/>
+              </a:defRPr>
+            </a:lvl7pPr>
+            <a:lvl8pPr fontAlgn="base">
+              <a:spcBef>
+                <a:spcPct val="0"/>
+              </a:spcBef>
+              <a:spcAft>
+                <a:spcPct val="0"/>
+              </a:spcAft>
+              <a:defRPr>
+                <a:solidFill>
+                  <a:schemeClr val="tx1"/>
+                </a:solidFill>
+                <a:latin typeface="Calibri" panose="020F0502020204030204" pitchFamily="34" charset="0"/>
+                <a:ea typeface="宋体" panose="02010600030101010101" pitchFamily="2" charset="-122"/>
+              </a:defRPr>
+            </a:lvl8pPr>
+            <a:lvl9pPr fontAlgn="base">
+              <a:spcBef>
+                <a:spcPct val="0"/>
+              </a:spcBef>
+              <a:spcAft>
+                <a:spcPct val="0"/>
+              </a:spcAft>
+              <a:defRPr>
+                <a:solidFill>
+                  <a:schemeClr val="tx1"/>
+                </a:solidFill>
+                <a:latin typeface="Calibri" panose="020F0502020204030204" pitchFamily="34" charset="0"/>
+                <a:ea typeface="宋体" panose="02010600030101010101" pitchFamily="2" charset="-122"/>
+              </a:defRPr>
+            </a:lvl9pPr>
+          </a:lstStyle>
+          <a:p>
+            <a:pPr>
+              <a:lnSpc>
+                <a:spcPct val="150000"/>
+              </a:lnSpc>
+              <a:buFont typeface="Arial" panose="020B0604020202020204" pitchFamily="34" charset="0"/>
+              <a:buNone/>
+            </a:pPr>
+            <a:r>
+              <a:rPr lang="zh-CN" altLang="zh-CN" sz="1800" b="0" dirty="0">
+                <a:latin typeface="楷体_GB2312" panose="02010609030101010101" pitchFamily="49" charset="-122"/>
+                <a:ea typeface="楷体_GB2312" panose="02010609030101010101" pitchFamily="49" charset="-122"/>
+              </a:rPr>
+              <a:t>计算机系中数据存储的基本单位是字节</a:t>
+            </a:r>
+            <a:r>
+              <a:rPr lang="en-US" altLang="zh-CN" sz="1800" b="0" dirty="0">
+                <a:latin typeface="楷体_GB2312" panose="02010609030101010101" pitchFamily="49" charset="-122"/>
+                <a:ea typeface="楷体_GB2312" panose="02010609030101010101" pitchFamily="49" charset="-122"/>
+              </a:rPr>
+              <a:t>Byte</a:t>
+            </a:r>
+          </a:p>
+          <a:p>
+            <a:pPr>
+              <a:lnSpc>
+                <a:spcPct val="150000"/>
+              </a:lnSpc>
+              <a:buFont typeface="Arial" panose="020B0604020202020204" pitchFamily="34" charset="0"/>
+              <a:buNone/>
+            </a:pPr>
+            <a:r>
+              <a:rPr lang="zh-CN" altLang="en-US" sz="1800" b="0" dirty="0">
+                <a:latin typeface="楷体_GB2312" panose="02010609030101010101" pitchFamily="49" charset="-122"/>
+                <a:ea typeface="楷体_GB2312" panose="02010609030101010101" pitchFamily="49" charset="-122"/>
+              </a:rPr>
+              <a:t>一个字节由</a:t>
+            </a:r>
+            <a:r>
+              <a:rPr lang="en-US" altLang="zh-CN" sz="1800" b="0" dirty="0">
+                <a:latin typeface="楷体_GB2312" panose="02010609030101010101" pitchFamily="49" charset="-122"/>
+                <a:ea typeface="楷体_GB2312" panose="02010609030101010101" pitchFamily="49" charset="-122"/>
+              </a:rPr>
+              <a:t>8</a:t>
+            </a:r>
+            <a:r>
+              <a:rPr lang="zh-CN" altLang="en-US" sz="1800" b="0" dirty="0">
+                <a:latin typeface="楷体_GB2312" panose="02010609030101010101" pitchFamily="49" charset="-122"/>
+                <a:ea typeface="楷体_GB2312" panose="02010609030101010101" pitchFamily="49" charset="-122"/>
+              </a:rPr>
+              <a:t>个位</a:t>
+            </a:r>
+            <a:r>
+              <a:rPr lang="en-US" altLang="zh-CN" sz="1800" b="0" dirty="0">
+                <a:latin typeface="楷体_GB2312" panose="02010609030101010101" pitchFamily="49" charset="-122"/>
+                <a:ea typeface="楷体_GB2312" panose="02010609030101010101" pitchFamily="49" charset="-122"/>
+              </a:rPr>
+              <a:t>bit</a:t>
+            </a:r>
+            <a:r>
+              <a:rPr lang="zh-CN" altLang="en-US" sz="1800" b="0" dirty="0">
+                <a:latin typeface="楷体_GB2312" panose="02010609030101010101" pitchFamily="49" charset="-122"/>
+                <a:ea typeface="楷体_GB2312" panose="02010609030101010101" pitchFamily="49" charset="-122"/>
+              </a:rPr>
+              <a:t>（比特）组成</a:t>
+            </a:r>
+          </a:p>
+          <a:p>
+            <a:pPr>
+              <a:lnSpc>
+                <a:spcPct val="150000"/>
+              </a:lnSpc>
+              <a:buFont typeface="Arial" panose="020B0604020202020204" pitchFamily="34" charset="0"/>
+              <a:buNone/>
+            </a:pPr>
+            <a:r>
+              <a:rPr lang="en-US" altLang="zh-CN" sz="1800" b="0" dirty="0">
+                <a:solidFill>
+                  <a:srgbClr val="FF0000"/>
+                </a:solidFill>
+                <a:latin typeface="楷体_GB2312" panose="02010609030101010101" pitchFamily="49" charset="-122"/>
+                <a:ea typeface="楷体_GB2312" panose="02010609030101010101" pitchFamily="49" charset="-122"/>
+              </a:rPr>
+              <a:t>1</a:t>
+            </a:r>
+            <a:r>
+              <a:rPr lang="zh-CN" altLang="en-US" sz="1800" b="0" dirty="0">
+                <a:solidFill>
+                  <a:srgbClr val="FF0000"/>
+                </a:solidFill>
+                <a:latin typeface="楷体_GB2312" panose="02010609030101010101" pitchFamily="49" charset="-122"/>
+                <a:ea typeface="楷体_GB2312" panose="02010609030101010101" pitchFamily="49" charset="-122"/>
+              </a:rPr>
+              <a:t>位存储可存储二进制的</a:t>
+            </a:r>
+            <a:r>
+              <a:rPr lang="en-US" altLang="zh-CN" sz="1800" b="0" dirty="0">
+                <a:solidFill>
+                  <a:srgbClr val="FF0000"/>
+                </a:solidFill>
+                <a:latin typeface="楷体_GB2312" panose="02010609030101010101" pitchFamily="49" charset="-122"/>
+                <a:ea typeface="楷体_GB2312" panose="02010609030101010101" pitchFamily="49" charset="-122"/>
+              </a:rPr>
+              <a:t>0</a:t>
+            </a:r>
+            <a:r>
+              <a:rPr lang="zh-CN" altLang="en-US" sz="1800" b="0" dirty="0">
+                <a:solidFill>
+                  <a:srgbClr val="FF0000"/>
+                </a:solidFill>
+                <a:latin typeface="楷体_GB2312" panose="02010609030101010101" pitchFamily="49" charset="-122"/>
+                <a:ea typeface="楷体_GB2312" panose="02010609030101010101" pitchFamily="49" charset="-122"/>
+              </a:rPr>
+              <a:t>或</a:t>
+            </a:r>
+            <a:r>
+              <a:rPr lang="en-US" altLang="zh-CN" sz="1800" b="0" dirty="0">
+                <a:solidFill>
+                  <a:srgbClr val="FF0000"/>
+                </a:solidFill>
+                <a:latin typeface="楷体_GB2312" panose="02010609030101010101" pitchFamily="49" charset="-122"/>
+                <a:ea typeface="楷体_GB2312" panose="02010609030101010101" pitchFamily="49" charset="-122"/>
+              </a:rPr>
+              <a:t>1</a:t>
+            </a:r>
+          </a:p>
+          <a:p>
+            <a:pPr>
+              <a:lnSpc>
+                <a:spcPct val="150000"/>
+              </a:lnSpc>
+              <a:buFont typeface="Arial" panose="020B0604020202020204" pitchFamily="34" charset="0"/>
+              <a:buNone/>
+            </a:pPr>
+            <a:r>
+              <a:rPr lang="en-US" altLang="zh-CN" sz="1800" b="0" dirty="0">
+                <a:latin typeface="楷体_GB2312" panose="02010609030101010101" pitchFamily="49" charset="-122"/>
+                <a:ea typeface="楷体_GB2312" panose="02010609030101010101" pitchFamily="49" charset="-122"/>
+              </a:rPr>
+              <a:t>1KB = 1024B</a:t>
+            </a:r>
+          </a:p>
+          <a:p>
+            <a:pPr>
+              <a:lnSpc>
+                <a:spcPct val="150000"/>
+              </a:lnSpc>
+              <a:buFont typeface="Arial" panose="020B0604020202020204" pitchFamily="34" charset="0"/>
+              <a:buNone/>
+            </a:pPr>
+            <a:r>
+              <a:rPr lang="en-US" altLang="zh-CN" sz="1800" b="0" dirty="0">
+                <a:latin typeface="楷体_GB2312" panose="02010609030101010101" pitchFamily="49" charset="-122"/>
+                <a:ea typeface="楷体_GB2312" panose="02010609030101010101" pitchFamily="49" charset="-122"/>
+              </a:rPr>
+              <a:t>1MB = 1024KB</a:t>
+            </a:r>
+          </a:p>
+          <a:p>
+            <a:pPr>
+              <a:lnSpc>
+                <a:spcPct val="150000"/>
+              </a:lnSpc>
+              <a:buFont typeface="Arial" panose="020B0604020202020204" pitchFamily="34" charset="0"/>
+              <a:buNone/>
+            </a:pPr>
+            <a:r>
+              <a:rPr lang="en-US" altLang="zh-CN" sz="1800" b="0" dirty="0">
+                <a:latin typeface="楷体_GB2312" panose="02010609030101010101" pitchFamily="49" charset="-122"/>
+                <a:ea typeface="楷体_GB2312" panose="02010609030101010101" pitchFamily="49" charset="-122"/>
+              </a:rPr>
+              <a:t>1GB = 1024MB</a:t>
+            </a:r>
+          </a:p>
+          <a:p>
+            <a:pPr>
+              <a:lnSpc>
+                <a:spcPct val="150000"/>
+              </a:lnSpc>
+              <a:buFont typeface="Arial" panose="020B0604020202020204" pitchFamily="34" charset="0"/>
+              <a:buNone/>
+            </a:pPr>
+            <a:r>
+              <a:rPr lang="en-US" altLang="zh-CN" sz="1800" b="0" dirty="0">
+                <a:latin typeface="楷体_GB2312" panose="02010609030101010101" pitchFamily="49" charset="-122"/>
+                <a:ea typeface="楷体_GB2312" panose="02010609030101010101" pitchFamily="49" charset="-122"/>
+              </a:rPr>
+              <a:t>1TB = 1024GB</a:t>
+            </a:r>
           </a:p>
         </p:txBody>
       </p:sp>
@@ -12586,6 +13755,84 @@
   <p:clrMapOvr>
     <a:masterClrMapping/>
   </p:clrMapOvr>
+  <p:timing>
+    <p:tnLst>
+      <p:par>
+        <p:cTn id="1" dur="indefinite" restart="never" nodeType="tmRoot">
+          <p:childTnLst>
+            <p:seq concurrent="1" nextAc="seek">
+              <p:cTn id="2" dur="indefinite" nodeType="mainSeq">
+                <p:childTnLst>
+                  <p:par>
+                    <p:cTn id="3" fill="hold">
+                      <p:stCondLst>
+                        <p:cond delay="indefinite"/>
+                      </p:stCondLst>
+                      <p:childTnLst>
+                        <p:par>
+                          <p:cTn id="4" fill="hold">
+                            <p:stCondLst>
+                              <p:cond delay="0"/>
+                            </p:stCondLst>
+                            <p:childTnLst>
+                              <p:par>
+                                <p:cTn id="5" presetID="1" presetClass="entr" presetSubtype="0" fill="hold" grpId="0" nodeType="clickEffect">
+                                  <p:stCondLst>
+                                    <p:cond delay="0"/>
+                                  </p:stCondLst>
+                                  <p:childTnLst>
+                                    <p:set>
+                                      <p:cBhvr>
+                                        <p:cTn id="6" dur="1" fill="hold">
+                                          <p:stCondLst>
+                                            <p:cond delay="0"/>
+                                          </p:stCondLst>
+                                        </p:cTn>
+                                        <p:tgtEl>
+                                          <p:spTgt spid="6"/>
+                                        </p:tgtEl>
+                                        <p:attrNameLst>
+                                          <p:attrName>style.visibility</p:attrName>
+                                        </p:attrNameLst>
+                                      </p:cBhvr>
+                                      <p:to>
+                                        <p:strVal val="visible"/>
+                                      </p:to>
+                                    </p:set>
+                                  </p:childTnLst>
+                                </p:cTn>
+                              </p:par>
+                            </p:childTnLst>
+                          </p:cTn>
+                        </p:par>
+                      </p:childTnLst>
+                    </p:cTn>
+                  </p:par>
+                </p:childTnLst>
+              </p:cTn>
+              <p:prevCondLst>
+                <p:cond evt="onPrev" delay="0">
+                  <p:tgtEl>
+                    <p:sldTgt/>
+                  </p:tgtEl>
+                </p:cond>
+              </p:prevCondLst>
+              <p:nextCondLst>
+                <p:cond evt="onNext" delay="0">
+                  <p:tgtEl>
+                    <p:sldTgt/>
+                  </p:tgtEl>
+                </p:cond>
+              </p:nextCondLst>
+            </p:seq>
+          </p:childTnLst>
+        </p:cTn>
+      </p:par>
+    </p:tnLst>
+    <p:bldLst>
+      <p:bldP spid="6" grpId="0" animBg="1"/>
+    </p:bldLst>
+  </p:timing>
 </p:sld>
 </file>
 
@@ -12625,7 +13872,7 @@
         <p:spPr>
           <a:xfrm>
             <a:off x="385763" y="842963"/>
-            <a:ext cx="8434387" cy="3394075"/>
+            <a:ext cx="8434387" cy="3817019"/>
           </a:xfrm>
         </p:spPr>
         <p:txBody>
@@ -12655,7 +13902,7 @@
                 <a:latin typeface="微软雅黑" panose="020B0503020204020204" pitchFamily="34" charset="-122"/>
                 <a:ea typeface="微软雅黑" panose="020B0503020204020204" pitchFamily="34" charset="-122"/>
               </a:rPr>
-              <a:t>系统软件是具有通用功能的软件，包括操作系统、语言处理程序、数据库管理系统等。</a:t>
+              <a:t>　　系统软件是具有通用功能的软件，包括操作系统、语言处理程序、数据库管理系统等。</a:t>
             </a:r>
           </a:p>
           <a:p>
@@ -12672,7 +13919,7 @@
                 <a:latin typeface="微软雅黑" panose="020B0503020204020204" pitchFamily="34" charset="-122"/>
                 <a:ea typeface="微软雅黑" panose="020B0503020204020204" pitchFamily="34" charset="-122"/>
               </a:rPr>
-              <a:t>系统软件使计算机使用者和其他软件将计算机当作一个整体，而不需要顾及底层每个硬件是如何工作的。</a:t>
+              <a:t>　　系统软件使计算机使用者和其他软件将计算机当作一个整体，而不需要顾及底层每个硬件是如何工作的。</a:t>
             </a:r>
           </a:p>
           <a:p>
@@ -12689,7 +13936,7 @@
                 <a:latin typeface="微软雅黑" panose="020B0503020204020204" pitchFamily="34" charset="-122"/>
                 <a:ea typeface="微软雅黑" panose="020B0503020204020204" pitchFamily="34" charset="-122"/>
               </a:rPr>
-              <a:t>操作系统（</a:t>
+              <a:t>　　操作系统（</a:t>
             </a:r>
             <a:r>
               <a:rPr lang="en-US" altLang="zh-CN" sz="1600" dirty="0">
@@ -12717,8 +13964,82 @@
                 <a:latin typeface="微软雅黑" panose="020B0503020204020204" pitchFamily="34" charset="-122"/>
                 <a:ea typeface="微软雅黑" panose="020B0503020204020204" pitchFamily="34" charset="-122"/>
               </a:rPr>
-              <a:t>）是管理和控制计算机硬件与软件资源的计算机程序，是直接运行在“裸机”上的最基本的系统软件，任何其他软件都要在操作系统的支持下才能运行。操作系统是用户和计算机的接口，同时也是计算机硬件和其他软件的接口。</a:t>
-            </a:r>
+              <a:t>）是管理和控制计算机硬件与软件资源的计算机程序，是直接运行在“裸机”上的最基本的系统软件，任何其他软件都要在操作系统的支持下才能运行。操作系统是用户和计算机的接口，同时也是计算机硬件和其他软件的接口。常见的操作系统包括</a:t>
+            </a:r>
+            <a:r>
+              <a:rPr lang="en-US" altLang="zh-CN" sz="1600" dirty="0">
+                <a:latin typeface="微软雅黑" panose="020B0503020204020204" pitchFamily="34" charset="-122"/>
+                <a:ea typeface="微软雅黑" panose="020B0503020204020204" pitchFamily="34" charset="-122"/>
+              </a:rPr>
+              <a:t>Windows</a:t>
+            </a:r>
+            <a:r>
+              <a:rPr lang="zh-CN" altLang="en-US" sz="1600" dirty="0">
+                <a:latin typeface="微软雅黑" panose="020B0503020204020204" pitchFamily="34" charset="-122"/>
+                <a:ea typeface="微软雅黑" panose="020B0503020204020204" pitchFamily="34" charset="-122"/>
+              </a:rPr>
+              <a:t>、</a:t>
+            </a:r>
+            <a:r>
+              <a:rPr lang="en-US" altLang="zh-CN" sz="1600" dirty="0">
+                <a:latin typeface="微软雅黑" panose="020B0503020204020204" pitchFamily="34" charset="-122"/>
+                <a:ea typeface="微软雅黑" panose="020B0503020204020204" pitchFamily="34" charset="-122"/>
+              </a:rPr>
+              <a:t>Linux</a:t>
+            </a:r>
+            <a:r>
+              <a:rPr lang="zh-CN" altLang="en-US" sz="1600" dirty="0">
+                <a:latin typeface="微软雅黑" panose="020B0503020204020204" pitchFamily="34" charset="-122"/>
+                <a:ea typeface="微软雅黑" panose="020B0503020204020204" pitchFamily="34" charset="-122"/>
+              </a:rPr>
+              <a:t>、</a:t>
+            </a:r>
+            <a:r>
+              <a:rPr lang="en-US" altLang="zh-CN" sz="1600" dirty="0" err="1">
+                <a:latin typeface="微软雅黑" panose="020B0503020204020204" pitchFamily="34" charset="-122"/>
+                <a:ea typeface="微软雅黑" panose="020B0503020204020204" pitchFamily="34" charset="-122"/>
+              </a:rPr>
+              <a:t>macOS</a:t>
+            </a:r>
+            <a:r>
+              <a:rPr lang="zh-CN" altLang="en-US" sz="1600" dirty="0">
+                <a:latin typeface="微软雅黑" panose="020B0503020204020204" pitchFamily="34" charset="-122"/>
+                <a:ea typeface="微软雅黑" panose="020B0503020204020204" pitchFamily="34" charset="-122"/>
+              </a:rPr>
+              <a:t>、</a:t>
+            </a:r>
+            <a:r>
+              <a:rPr lang="en-US" altLang="zh-CN" sz="1600" dirty="0">
+                <a:latin typeface="微软雅黑" panose="020B0503020204020204" pitchFamily="34" charset="-122"/>
+                <a:ea typeface="微软雅黑" panose="020B0503020204020204" pitchFamily="34" charset="-122"/>
+              </a:rPr>
+              <a:t>iOS</a:t>
+            </a:r>
+            <a:r>
+              <a:rPr lang="zh-CN" altLang="en-US" sz="1600" dirty="0">
+                <a:latin typeface="微软雅黑" panose="020B0503020204020204" pitchFamily="34" charset="-122"/>
+                <a:ea typeface="微软雅黑" panose="020B0503020204020204" pitchFamily="34" charset="-122"/>
+              </a:rPr>
+              <a:t>、</a:t>
+            </a:r>
+            <a:r>
+              <a:rPr lang="en-US" altLang="zh-CN" sz="1600" dirty="0">
+                <a:latin typeface="微软雅黑" panose="020B0503020204020204" pitchFamily="34" charset="-122"/>
+                <a:ea typeface="微软雅黑" panose="020B0503020204020204" pitchFamily="34" charset="-122"/>
+              </a:rPr>
+              <a:t>Android</a:t>
+            </a:r>
+            <a:r>
+              <a:rPr lang="zh-CN" altLang="en-US" sz="1600" dirty="0">
+                <a:latin typeface="微软雅黑" panose="020B0503020204020204" pitchFamily="34" charset="-122"/>
+                <a:ea typeface="微软雅黑" panose="020B0503020204020204" pitchFamily="34" charset="-122"/>
+              </a:rPr>
+              <a:t>等。</a:t>
+            </a:r>
+            <a:endParaRPr lang="en-US" altLang="zh-CN" sz="1600" dirty="0">
+              <a:latin typeface="微软雅黑" panose="020B0503020204020204" pitchFamily="34" charset="-122"/>
+              <a:ea typeface="微软雅黑" panose="020B0503020204020204" pitchFamily="34" charset="-122"/>
+            </a:endParaRPr>
           </a:p>
           <a:p>
             <a:pPr marL="109537" indent="0">
@@ -12734,14 +14055,14 @@
                 <a:latin typeface="微软雅黑" panose="020B0503020204020204" pitchFamily="34" charset="-122"/>
                 <a:ea typeface="微软雅黑" panose="020B0503020204020204" pitchFamily="34" charset="-122"/>
               </a:rPr>
-              <a:t>常见的操作系统包括</a:t>
+              <a:t>　　语言处理软件：如</a:t>
             </a:r>
             <a:r>
               <a:rPr lang="en-US" altLang="zh-CN" sz="1600" dirty="0">
                 <a:latin typeface="微软雅黑" panose="020B0503020204020204" pitchFamily="34" charset="-122"/>
                 <a:ea typeface="微软雅黑" panose="020B0503020204020204" pitchFamily="34" charset="-122"/>
               </a:rPr>
-              <a:t>Windows</a:t>
+              <a:t>Python</a:t>
             </a:r>
             <a:r>
               <a:rPr lang="zh-CN" altLang="en-US" sz="1600" dirty="0">
@@ -12755,21 +14076,21 @@
                 <a:latin typeface="微软雅黑" panose="020B0503020204020204" pitchFamily="34" charset="-122"/>
                 <a:ea typeface="微软雅黑" panose="020B0503020204020204" pitchFamily="34" charset="-122"/>
               </a:rPr>
-              <a:t>Linux</a:t>
+              <a:t>C</a:t>
             </a:r>
             <a:r>
               <a:rPr lang="zh-CN" altLang="en-US" sz="1600" dirty="0">
                 <a:latin typeface="微软雅黑" panose="020B0503020204020204" pitchFamily="34" charset="-122"/>
                 <a:ea typeface="微软雅黑" panose="020B0503020204020204" pitchFamily="34" charset="-122"/>
               </a:rPr>
-              <a:t>、</a:t>
-            </a:r>
-            <a:r>
-              <a:rPr lang="en-US" altLang="zh-CN" sz="1600" dirty="0" err="1">
+              <a:t>等；数据库：</a:t>
+            </a:r>
+            <a:r>
+              <a:rPr lang="en-US" altLang="zh-CN" sz="1600" dirty="0">
                 <a:latin typeface="微软雅黑" panose="020B0503020204020204" pitchFamily="34" charset="-122"/>
                 <a:ea typeface="微软雅黑" panose="020B0503020204020204" pitchFamily="34" charset="-122"/>
               </a:rPr>
-              <a:t>macOS</a:t>
+              <a:t>Access</a:t>
             </a:r>
             <a:r>
               <a:rPr lang="zh-CN" altLang="en-US" sz="1600" dirty="0">
@@ -12783,7 +14104,7 @@
                 <a:latin typeface="微软雅黑" panose="020B0503020204020204" pitchFamily="34" charset="-122"/>
                 <a:ea typeface="微软雅黑" panose="020B0503020204020204" pitchFamily="34" charset="-122"/>
               </a:rPr>
-              <a:t>iOS</a:t>
+              <a:t>MySQL</a:t>
             </a:r>
             <a:r>
               <a:rPr lang="zh-CN" altLang="en-US" sz="1600" dirty="0">
@@ -12797,14 +14118,14 @@
                 <a:latin typeface="微软雅黑" panose="020B0503020204020204" pitchFamily="34" charset="-122"/>
                 <a:ea typeface="微软雅黑" panose="020B0503020204020204" pitchFamily="34" charset="-122"/>
               </a:rPr>
-              <a:t>Android</a:t>
+              <a:t>MSSQL</a:t>
             </a:r>
             <a:r>
               <a:rPr lang="zh-CN" altLang="en-US" sz="1600" dirty="0">
                 <a:latin typeface="微软雅黑" panose="020B0503020204020204" pitchFamily="34" charset="-122"/>
                 <a:ea typeface="微软雅黑" panose="020B0503020204020204" pitchFamily="34" charset="-122"/>
               </a:rPr>
-              <a:t>等。</a:t>
+              <a:t>等</a:t>
             </a:r>
             <a:endParaRPr lang="en-US" altLang="zh-CN" sz="1600" dirty="0">
               <a:latin typeface="微软雅黑" panose="020B0503020204020204" pitchFamily="34" charset="-122"/>
@@ -12971,7 +14292,7 @@
             </a:lvl9pPr>
           </a:lstStyle>
           <a:p>
-            <a:endParaRPr lang="zh-CN" altLang="en-US" sz="2400" b="0">
+            <a:endParaRPr lang="zh-CN" altLang="en-US" sz="2400" b="0" dirty="0">
               <a:solidFill>
                 <a:srgbClr val="000000"/>
               </a:solidFill>
@@ -12982,16 +14303,16 @@
           <a:p>
             <a:pPr algn="ctr"/>
             <a:r>
-              <a:rPr lang="zh-CN" altLang="en-US" b="0">
+              <a:rPr lang="zh-CN" altLang="en-US" b="0" dirty="0">
                 <a:solidFill>
                   <a:schemeClr val="bg1"/>
                 </a:solidFill>
                 <a:latin typeface="微软雅黑" panose="020B0503020204020204" pitchFamily="34" charset="-122"/>
                 <a:ea typeface="微软雅黑" panose="020B0503020204020204" pitchFamily="34" charset="-122"/>
               </a:rPr>
-              <a:t>二 计算机系统的软件组成</a:t>
-            </a:r>
-            <a:endParaRPr lang="zh-CN" altLang="en-US">
+              <a:t>四、计算机系统的软件组成</a:t>
+            </a:r>
+            <a:endParaRPr lang="zh-CN" altLang="en-US" dirty="0">
               <a:solidFill>
                 <a:schemeClr val="bg1"/>
               </a:solidFill>
@@ -13075,7 +14396,7 @@
                 <a:latin typeface="微软雅黑" panose="020B0503020204020204" pitchFamily="34" charset="-122"/>
                 <a:ea typeface="微软雅黑" panose="020B0503020204020204" pitchFamily="34" charset="-122"/>
               </a:rPr>
-              <a:t>应用软件是为满足用户不同领域、不同问题的应用需求而设计的软件，如各类办公软件、多媒体加工软件、即时通信软件等都是应用软件。</a:t>
+              <a:t>　　应用软件是为满足用户不同领域、不同问题的应用需求而设计的软件，如各类办公软件、多媒体加工软件、即时通信软件等都是应用软件。</a:t>
             </a:r>
             <a:endParaRPr lang="en-US" altLang="zh-CN" sz="1600" dirty="0">
               <a:latin typeface="微软雅黑" panose="020B0503020204020204" pitchFamily="34" charset="-122"/>
@@ -13242,7 +14563,7 @@
             </a:lvl9pPr>
           </a:lstStyle>
           <a:p>
-            <a:endParaRPr lang="zh-CN" altLang="en-US" sz="2400" b="0">
+            <a:endParaRPr lang="zh-CN" altLang="en-US" sz="2400" b="0" dirty="0">
               <a:solidFill>
                 <a:srgbClr val="000000"/>
               </a:solidFill>
@@ -13253,16 +14574,16 @@
           <a:p>
             <a:pPr algn="ctr"/>
             <a:r>
-              <a:rPr lang="zh-CN" altLang="en-US" b="0">
+              <a:rPr lang="zh-CN" altLang="en-US" b="0" dirty="0">
                 <a:solidFill>
                   <a:schemeClr val="bg1"/>
                 </a:solidFill>
                 <a:latin typeface="微软雅黑" panose="020B0503020204020204" pitchFamily="34" charset="-122"/>
                 <a:ea typeface="微软雅黑" panose="020B0503020204020204" pitchFamily="34" charset="-122"/>
               </a:rPr>
-              <a:t>二 计算机系统的软件组成</a:t>
-            </a:r>
-            <a:endParaRPr lang="zh-CN" altLang="en-US">
+              <a:t>四、计算机系统的软件组成</a:t>
+            </a:r>
+            <a:endParaRPr lang="zh-CN" altLang="en-US" dirty="0">
               <a:solidFill>
                 <a:schemeClr val="bg1"/>
               </a:solidFill>
@@ -13468,7 +14789,7 @@
         </p:nvSpPr>
         <p:spPr bwMode="auto">
           <a:xfrm>
-            <a:off x="3689350" y="4060825"/>
+            <a:off x="3995936" y="4026198"/>
             <a:ext cx="4176713" cy="307975"/>
           </a:xfrm>
           <a:prstGeom prst="rect">
@@ -13611,7 +14932,7 @@
           </a:lstStyle>
           <a:p>
             <a:r>
-              <a:rPr lang="zh-CN" altLang="en-US" sz="1400" b="0">
+              <a:rPr lang="zh-CN" altLang="en-US" sz="1400" b="0" dirty="0">
                 <a:latin typeface="微软雅黑" panose="020B0503020204020204" pitchFamily="34" charset="-122"/>
                 <a:ea typeface="微软雅黑" panose="020B0503020204020204" pitchFamily="34" charset="-122"/>
               </a:rPr>
